--- a/wiki/networks-explained/pptx/networks_explained.pptx
+++ b/wiki/networks-explained/pptx/networks_explained.pptx
@@ -7,8 +7,8 @@
   <p:sldIdLst>
     <p:sldId id="257" r:id="rId2"/>
     <p:sldId id="258" r:id="rId3"/>
-    <p:sldId id="259" r:id="rId4"/>
-    <p:sldId id="260" r:id="rId5"/>
+    <p:sldId id="260" r:id="rId4"/>
+    <p:sldId id="259" r:id="rId5"/>
   </p:sldIdLst>
   <p:sldSz cx="12192000" cy="6858000"/>
   <p:notesSz cx="6858000" cy="9144000"/>
@@ -246,7 +246,7 @@
           <a:p>
             <a:fld id="{B9887371-DC27-4EC9-B6F3-71B5885C4DAE}" type="datetimeFigureOut">
               <a:rPr lang="en-GB" smtClean="0"/>
-              <a:t>27/07/2016</a:t>
+              <a:t>31/07/2016</a:t>
             </a:fld>
             <a:endParaRPr lang="en-GB"/>
           </a:p>
@@ -416,7 +416,7 @@
           <a:p>
             <a:fld id="{B9887371-DC27-4EC9-B6F3-71B5885C4DAE}" type="datetimeFigureOut">
               <a:rPr lang="en-GB" smtClean="0"/>
-              <a:t>27/07/2016</a:t>
+              <a:t>31/07/2016</a:t>
             </a:fld>
             <a:endParaRPr lang="en-GB"/>
           </a:p>
@@ -596,7 +596,7 @@
           <a:p>
             <a:fld id="{B9887371-DC27-4EC9-B6F3-71B5885C4DAE}" type="datetimeFigureOut">
               <a:rPr lang="en-GB" smtClean="0"/>
-              <a:t>27/07/2016</a:t>
+              <a:t>31/07/2016</a:t>
             </a:fld>
             <a:endParaRPr lang="en-GB"/>
           </a:p>
@@ -766,7 +766,7 @@
           <a:p>
             <a:fld id="{B9887371-DC27-4EC9-B6F3-71B5885C4DAE}" type="datetimeFigureOut">
               <a:rPr lang="en-GB" smtClean="0"/>
-              <a:t>27/07/2016</a:t>
+              <a:t>31/07/2016</a:t>
             </a:fld>
             <a:endParaRPr lang="en-GB"/>
           </a:p>
@@ -1012,7 +1012,7 @@
           <a:p>
             <a:fld id="{B9887371-DC27-4EC9-B6F3-71B5885C4DAE}" type="datetimeFigureOut">
               <a:rPr lang="en-GB" smtClean="0"/>
-              <a:t>27/07/2016</a:t>
+              <a:t>31/07/2016</a:t>
             </a:fld>
             <a:endParaRPr lang="en-GB"/>
           </a:p>
@@ -1244,7 +1244,7 @@
           <a:p>
             <a:fld id="{B9887371-DC27-4EC9-B6F3-71B5885C4DAE}" type="datetimeFigureOut">
               <a:rPr lang="en-GB" smtClean="0"/>
-              <a:t>27/07/2016</a:t>
+              <a:t>31/07/2016</a:t>
             </a:fld>
             <a:endParaRPr lang="en-GB"/>
           </a:p>
@@ -1611,7 +1611,7 @@
           <a:p>
             <a:fld id="{B9887371-DC27-4EC9-B6F3-71B5885C4DAE}" type="datetimeFigureOut">
               <a:rPr lang="en-GB" smtClean="0"/>
-              <a:t>27/07/2016</a:t>
+              <a:t>31/07/2016</a:t>
             </a:fld>
             <a:endParaRPr lang="en-GB"/>
           </a:p>
@@ -1729,7 +1729,7 @@
           <a:p>
             <a:fld id="{B9887371-DC27-4EC9-B6F3-71B5885C4DAE}" type="datetimeFigureOut">
               <a:rPr lang="en-GB" smtClean="0"/>
-              <a:t>27/07/2016</a:t>
+              <a:t>31/07/2016</a:t>
             </a:fld>
             <a:endParaRPr lang="en-GB"/>
           </a:p>
@@ -1824,7 +1824,7 @@
           <a:p>
             <a:fld id="{B9887371-DC27-4EC9-B6F3-71B5885C4DAE}" type="datetimeFigureOut">
               <a:rPr lang="en-GB" smtClean="0"/>
-              <a:t>27/07/2016</a:t>
+              <a:t>31/07/2016</a:t>
             </a:fld>
             <a:endParaRPr lang="en-GB"/>
           </a:p>
@@ -2101,7 +2101,7 @@
           <a:p>
             <a:fld id="{B9887371-DC27-4EC9-B6F3-71B5885C4DAE}" type="datetimeFigureOut">
               <a:rPr lang="en-GB" smtClean="0"/>
-              <a:t>27/07/2016</a:t>
+              <a:t>31/07/2016</a:t>
             </a:fld>
             <a:endParaRPr lang="en-GB"/>
           </a:p>
@@ -2354,7 +2354,7 @@
           <a:p>
             <a:fld id="{B9887371-DC27-4EC9-B6F3-71B5885C4DAE}" type="datetimeFigureOut">
               <a:rPr lang="en-GB" smtClean="0"/>
-              <a:t>27/07/2016</a:t>
+              <a:t>31/07/2016</a:t>
             </a:fld>
             <a:endParaRPr lang="en-GB"/>
           </a:p>
@@ -2567,7 +2567,7 @@
           <a:p>
             <a:fld id="{B9887371-DC27-4EC9-B6F3-71B5885C4DAE}" type="datetimeFigureOut">
               <a:rPr lang="en-GB" smtClean="0"/>
-              <a:t>27/07/2016</a:t>
+              <a:t>31/07/2016</a:t>
             </a:fld>
             <a:endParaRPr lang="en-GB"/>
           </a:p>
@@ -2974,15 +2974,15 @@
       </p:grpSpPr>
       <p:grpSp>
         <p:nvGrpSpPr>
-          <p:cNvPr id="118" name="Group 117"/>
+          <p:cNvPr id="3" name="Group 2"/>
           <p:cNvGrpSpPr/>
           <p:nvPr/>
         </p:nvGrpSpPr>
         <p:grpSpPr>
           <a:xfrm>
-            <a:off x="333152" y="386671"/>
+            <a:off x="2766000" y="1491983"/>
             <a:ext cx="6660000" cy="3874035"/>
-            <a:chOff x="333152" y="386671"/>
+            <a:chOff x="2766000" y="1491983"/>
             <a:chExt cx="6660000" cy="3874035"/>
           </a:xfrm>
         </p:grpSpPr>
@@ -2994,7 +2994,7 @@
           </p:nvSpPr>
           <p:spPr>
             <a:xfrm>
-              <a:off x="333152" y="386672"/>
+              <a:off x="2766000" y="1491984"/>
               <a:ext cx="6660000" cy="3874034"/>
             </a:xfrm>
             <a:prstGeom prst="rect">
@@ -3042,7 +3042,7 @@
           </p:nvSpPr>
           <p:spPr>
             <a:xfrm>
-              <a:off x="1655561" y="386671"/>
+              <a:off x="4088409" y="1491983"/>
               <a:ext cx="5337591" cy="307777"/>
             </a:xfrm>
             <a:prstGeom prst="rect">
@@ -3085,7 +3085,7 @@
           </p:nvSpPr>
           <p:spPr>
             <a:xfrm>
-              <a:off x="333152" y="386671"/>
+              <a:off x="2766000" y="1491983"/>
               <a:ext cx="1322408" cy="307777"/>
             </a:xfrm>
             <a:prstGeom prst="rect">
@@ -3123,7 +3123,7 @@
           </p:nvGrpSpPr>
           <p:grpSpPr>
             <a:xfrm>
-              <a:off x="642229" y="771373"/>
+              <a:off x="3075077" y="1876685"/>
               <a:ext cx="6041845" cy="2161284"/>
               <a:chOff x="670897" y="983178"/>
               <a:chExt cx="6041845" cy="2161284"/>
@@ -4385,16 +4385,16 @@
         </p:grpSp>
         <p:grpSp>
           <p:nvGrpSpPr>
-            <p:cNvPr id="108" name="Group 107"/>
+            <p:cNvPr id="2" name="Group 1"/>
             <p:cNvGrpSpPr/>
             <p:nvPr/>
           </p:nvGrpSpPr>
           <p:grpSpPr>
             <a:xfrm>
-              <a:off x="336317" y="3065617"/>
-              <a:ext cx="3330000" cy="1192315"/>
-              <a:chOff x="7808968" y="1224821"/>
-              <a:chExt cx="3330000" cy="1192315"/>
+              <a:off x="2766000" y="4170018"/>
+              <a:ext cx="3333165" cy="1193224"/>
+              <a:chOff x="2766000" y="4170018"/>
+              <a:chExt cx="3333165" cy="1193224"/>
             </a:xfrm>
           </p:grpSpPr>
           <p:sp>
@@ -4405,8 +4405,8 @@
             </p:nvSpPr>
             <p:spPr>
               <a:xfrm>
-                <a:off x="7808968" y="1224822"/>
-                <a:ext cx="3330000" cy="1192314"/>
+                <a:off x="2766000" y="4170928"/>
+                <a:ext cx="3333165" cy="1192314"/>
               </a:xfrm>
               <a:prstGeom prst="rect">
                 <a:avLst/>
@@ -4451,8 +4451,8 @@
             </p:nvSpPr>
             <p:spPr>
               <a:xfrm>
-                <a:off x="7808968" y="1224821"/>
-                <a:ext cx="3330000" cy="307777"/>
+                <a:off x="2766000" y="4170018"/>
+                <a:ext cx="3333165" cy="307777"/>
               </a:xfrm>
               <a:prstGeom prst="rect">
                 <a:avLst/>
@@ -4488,8 +4488,8 @@
             </p:nvSpPr>
             <p:spPr>
               <a:xfrm>
-                <a:off x="7808968" y="1532598"/>
-                <a:ext cx="3330000" cy="830997"/>
+                <a:off x="2766000" y="4477568"/>
+                <a:ext cx="3333068" cy="830997"/>
               </a:xfrm>
               <a:prstGeom prst="rect">
                 <a:avLst/>
@@ -4561,7 +4561,7 @@
           </p:nvGrpSpPr>
           <p:grpSpPr>
             <a:xfrm>
-              <a:off x="3663152" y="3065617"/>
+              <a:off x="6096000" y="4170929"/>
               <a:ext cx="3330000" cy="1192315"/>
               <a:chOff x="7695770" y="1874833"/>
               <a:chExt cx="3330000" cy="1192315"/>
@@ -4762,7 +4762,7 @@
         </p:nvGrpSpPr>
         <p:grpSpPr>
           <a:xfrm>
-            <a:off x="333150" y="386671"/>
+            <a:off x="3161850" y="1858379"/>
             <a:ext cx="5868300" cy="3141242"/>
             <a:chOff x="333150" y="386671"/>
             <a:chExt cx="5868300" cy="3141242"/>
@@ -6069,1780 +6069,13 @@
       </p:grpSpPr>
       <p:grpSp>
         <p:nvGrpSpPr>
-          <p:cNvPr id="93" name="Group 92"/>
-          <p:cNvGrpSpPr/>
-          <p:nvPr/>
-        </p:nvGrpSpPr>
-        <p:grpSpPr>
-          <a:xfrm>
-            <a:off x="333152" y="386671"/>
-            <a:ext cx="6660000" cy="3874035"/>
-            <a:chOff x="333152" y="386671"/>
-            <a:chExt cx="6660000" cy="3874035"/>
-          </a:xfrm>
-        </p:grpSpPr>
-        <p:sp>
-          <p:nvSpPr>
-            <p:cNvPr id="5" name="Rectangle 4"/>
-            <p:cNvSpPr/>
-            <p:nvPr/>
-          </p:nvSpPr>
-          <p:spPr>
-            <a:xfrm>
-              <a:off x="333152" y="386672"/>
-              <a:ext cx="6660000" cy="3874034"/>
-            </a:xfrm>
-            <a:prstGeom prst="rect">
-              <a:avLst/>
-            </a:prstGeom>
-            <a:solidFill>
-              <a:schemeClr val="bg1"/>
-            </a:solidFill>
-            <a:ln w="12700">
-              <a:solidFill>
-                <a:schemeClr val="tx1"/>
-              </a:solidFill>
-            </a:ln>
-          </p:spPr>
-          <p:style>
-            <a:lnRef idx="2">
-              <a:schemeClr val="accent1">
-                <a:shade val="50000"/>
-              </a:schemeClr>
-            </a:lnRef>
-            <a:fillRef idx="1">
-              <a:schemeClr val="accent1"/>
-            </a:fillRef>
-            <a:effectRef idx="0">
-              <a:schemeClr val="accent1"/>
-            </a:effectRef>
-            <a:fontRef idx="minor">
-              <a:schemeClr val="lt1"/>
-            </a:fontRef>
-          </p:style>
-          <p:txBody>
-            <a:bodyPr rtlCol="0" anchor="ctr"/>
-            <a:lstStyle/>
-            <a:p>
-              <a:pPr algn="ctr"/>
-              <a:endParaRPr lang="en-GB"/>
-            </a:p>
-          </p:txBody>
-        </p:sp>
-        <p:sp>
-          <p:nvSpPr>
-            <p:cNvPr id="6" name="TextBox 5"/>
-            <p:cNvSpPr txBox="1"/>
-            <p:nvPr/>
-          </p:nvSpPr>
-          <p:spPr>
-            <a:xfrm>
-              <a:off x="1655561" y="386671"/>
-              <a:ext cx="5337591" cy="307777"/>
-            </a:xfrm>
-            <a:prstGeom prst="rect">
-              <a:avLst/>
-            </a:prstGeom>
-            <a:solidFill>
-              <a:schemeClr val="accent1"/>
-            </a:solidFill>
-            <a:ln w="12700">
-              <a:solidFill>
-                <a:schemeClr val="tx1"/>
-              </a:solidFill>
-            </a:ln>
-          </p:spPr>
-          <p:txBody>
-            <a:bodyPr wrap="square" rtlCol="0" anchor="ctr">
-              <a:spAutoFit/>
-            </a:bodyPr>
-            <a:lstStyle/>
-            <a:p>
-              <a:pPr algn="ctr"/>
-              <a:r>
-                <a:rPr lang="en-GB" sz="1400" dirty="0">
-                  <a:solidFill>
-                    <a:schemeClr val="bg1"/>
-                  </a:solidFill>
-                  <a:latin typeface="Segoe UI" panose="020B0502040204020203" pitchFamily="34" charset="0"/>
-                  <a:cs typeface="Segoe UI" panose="020B0502040204020203" pitchFamily="34" charset="0"/>
-                </a:rPr>
-                <a:t>network</a:t>
-              </a:r>
-            </a:p>
-          </p:txBody>
-        </p:sp>
-        <p:sp>
-          <p:nvSpPr>
-            <p:cNvPr id="7" name="TextBox 6"/>
-            <p:cNvSpPr txBox="1"/>
-            <p:nvPr/>
-          </p:nvSpPr>
-          <p:spPr>
-            <a:xfrm>
-              <a:off x="333152" y="386671"/>
-              <a:ext cx="1322408" cy="307777"/>
-            </a:xfrm>
-            <a:prstGeom prst="rect">
-              <a:avLst/>
-            </a:prstGeom>
-            <a:noFill/>
-            <a:ln w="12700">
-              <a:solidFill>
-                <a:schemeClr val="tx1"/>
-              </a:solidFill>
-            </a:ln>
-          </p:spPr>
-          <p:txBody>
-            <a:bodyPr wrap="square" rtlCol="0" anchor="ctr">
-              <a:spAutoFit/>
-            </a:bodyPr>
-            <a:lstStyle/>
-            <a:p>
-              <a:pPr algn="ctr"/>
-              <a:r>
-                <a:rPr lang="en-GB" sz="1400" dirty="0">
-                  <a:latin typeface="Segoe UI" panose="020B0502040204020203" pitchFamily="34" charset="0"/>
-                  <a:cs typeface="Segoe UI" panose="020B0502040204020203" pitchFamily="34" charset="0"/>
-                </a:rPr>
-                <a:t>Researcher A</a:t>
-              </a:r>
-            </a:p>
-          </p:txBody>
-        </p:sp>
-        <p:grpSp>
-          <p:nvGrpSpPr>
-            <p:cNvPr id="17" name="Group 16"/>
-            <p:cNvGrpSpPr/>
-            <p:nvPr/>
-          </p:nvGrpSpPr>
-          <p:grpSpPr>
-            <a:xfrm>
-              <a:off x="1889281" y="771373"/>
-              <a:ext cx="3547632" cy="276999"/>
-              <a:chOff x="1917949" y="983178"/>
-              <a:chExt cx="3547632" cy="276999"/>
-            </a:xfrm>
-          </p:grpSpPr>
-          <p:cxnSp>
-            <p:nvCxnSpPr>
-              <p:cNvPr id="55" name="Straight Connector 54"/>
-              <p:cNvCxnSpPr>
-                <a:stCxn id="30" idx="3"/>
-                <a:endCxn id="53" idx="1"/>
-              </p:cNvCxnSpPr>
-              <p:nvPr/>
-            </p:nvCxnSpPr>
-            <p:spPr>
-              <a:xfrm>
-                <a:off x="1917949" y="1254639"/>
-                <a:ext cx="3547632" cy="0"/>
-              </a:xfrm>
-              <a:prstGeom prst="line">
-                <a:avLst/>
-              </a:prstGeom>
-              <a:ln w="12700">
-                <a:solidFill>
-                  <a:schemeClr val="tx1"/>
-                </a:solidFill>
-              </a:ln>
-            </p:spPr>
-            <p:style>
-              <a:lnRef idx="1">
-                <a:schemeClr val="accent1"/>
-              </a:lnRef>
-              <a:fillRef idx="0">
-                <a:schemeClr val="accent1"/>
-              </a:fillRef>
-              <a:effectRef idx="0">
-                <a:schemeClr val="accent1"/>
-              </a:effectRef>
-              <a:fontRef idx="minor">
-                <a:schemeClr val="tx1"/>
-              </a:fontRef>
-            </p:style>
-          </p:cxnSp>
-          <p:sp>
-            <p:nvSpPr>
-              <p:cNvPr id="56" name="TextBox 55"/>
-              <p:cNvSpPr txBox="1"/>
-              <p:nvPr/>
-            </p:nvSpPr>
-            <p:spPr>
-              <a:xfrm>
-                <a:off x="2853839" y="983178"/>
-                <a:ext cx="1702983" cy="276999"/>
-              </a:xfrm>
-              <a:prstGeom prst="rect">
-                <a:avLst/>
-              </a:prstGeom>
-              <a:noFill/>
-              <a:ln w="12700">
-                <a:noFill/>
-              </a:ln>
-            </p:spPr>
-            <p:txBody>
-              <a:bodyPr wrap="square" rtlCol="0" anchor="ctr">
-                <a:spAutoFit/>
-              </a:bodyPr>
-              <a:lstStyle/>
-              <a:p>
-                <a:pPr algn="ctr"/>
-                <a:r>
-                  <a:rPr lang="en-GB" sz="1200" dirty="0">
-                    <a:latin typeface="Segoe UI" panose="020B0502040204020203" pitchFamily="34" charset="0"/>
-                    <a:cs typeface="Segoe UI" panose="020B0502040204020203" pitchFamily="34" charset="0"/>
-                  </a:rPr>
-                  <a:t>common grants</a:t>
-                </a:r>
-              </a:p>
-            </p:txBody>
-          </p:sp>
-        </p:grpSp>
-        <p:grpSp>
-          <p:nvGrpSpPr>
-            <p:cNvPr id="92" name="Group 91"/>
-            <p:cNvGrpSpPr/>
-            <p:nvPr/>
-          </p:nvGrpSpPr>
-          <p:grpSpPr>
-            <a:xfrm>
-              <a:off x="5332074" y="888945"/>
-              <a:ext cx="1352000" cy="2043712"/>
-              <a:chOff x="5332074" y="888945"/>
-              <a:chExt cx="1352000" cy="2043712"/>
-            </a:xfrm>
-          </p:grpSpPr>
-          <p:grpSp>
-            <p:nvGrpSpPr>
-              <p:cNvPr id="83" name="Group 82"/>
-              <p:cNvGrpSpPr/>
-              <p:nvPr/>
-            </p:nvGrpSpPr>
-            <p:grpSpPr>
-              <a:xfrm>
-                <a:off x="5436913" y="888945"/>
-                <a:ext cx="1142319" cy="615554"/>
-                <a:chOff x="5464044" y="888945"/>
-                <a:chExt cx="1142319" cy="615554"/>
-              </a:xfrm>
-            </p:grpSpPr>
-            <p:sp>
-              <p:nvSpPr>
-                <p:cNvPr id="53" name="TextBox 52"/>
-                <p:cNvSpPr txBox="1"/>
-                <p:nvPr/>
-              </p:nvSpPr>
-              <p:spPr>
-                <a:xfrm>
-                  <a:off x="5464044" y="888945"/>
-                  <a:ext cx="1142319" cy="307777"/>
-                </a:xfrm>
-                <a:prstGeom prst="rect">
-                  <a:avLst/>
-                </a:prstGeom>
-                <a:noFill/>
-                <a:ln w="12700">
-                  <a:solidFill>
-                    <a:schemeClr val="tx1"/>
-                  </a:solidFill>
-                </a:ln>
-              </p:spPr>
-              <p:txBody>
-                <a:bodyPr wrap="square" rtlCol="0" anchor="ctr">
-                  <a:spAutoFit/>
-                </a:bodyPr>
-                <a:lstStyle/>
-                <a:p>
-                  <a:pPr algn="ctr"/>
-                  <a:r>
-                    <a:rPr lang="en-GB" sz="1400" dirty="0">
-                      <a:latin typeface="Segoe UI" panose="020B0502040204020203" pitchFamily="34" charset="0"/>
-                      <a:cs typeface="Segoe UI" panose="020B0502040204020203" pitchFamily="34" charset="0"/>
-                    </a:rPr>
-                    <a:t>researcher 2</a:t>
-                  </a:r>
-                </a:p>
-              </p:txBody>
-            </p:sp>
-            <p:sp>
-              <p:nvSpPr>
-                <p:cNvPr id="54" name="TextBox 53"/>
-                <p:cNvSpPr txBox="1"/>
-                <p:nvPr/>
-              </p:nvSpPr>
-              <p:spPr>
-                <a:xfrm>
-                  <a:off x="5464044" y="1196722"/>
-                  <a:ext cx="1142317" cy="307777"/>
-                </a:xfrm>
-                <a:prstGeom prst="rect">
-                  <a:avLst/>
-                </a:prstGeom>
-                <a:solidFill>
-                  <a:schemeClr val="accent6"/>
-                </a:solidFill>
-                <a:ln w="12700">
-                  <a:solidFill>
-                    <a:schemeClr val="tx1"/>
-                  </a:solidFill>
-                </a:ln>
-              </p:spPr>
-              <p:txBody>
-                <a:bodyPr wrap="square" rtlCol="0" anchor="ctr">
-                  <a:spAutoFit/>
-                </a:bodyPr>
-                <a:lstStyle/>
-                <a:p>
-                  <a:pPr algn="ctr"/>
-                  <a:r>
-                    <a:rPr lang="en-GB" sz="1400" dirty="0">
-                      <a:solidFill>
-                        <a:schemeClr val="bg1"/>
-                      </a:solidFill>
-                      <a:latin typeface="Segoe UI" panose="020B0502040204020203" pitchFamily="34" charset="0"/>
-                      <a:cs typeface="Segoe UI" panose="020B0502040204020203" pitchFamily="34" charset="0"/>
-                    </a:rPr>
-                    <a:t>node</a:t>
-                  </a:r>
-                </a:p>
-              </p:txBody>
-            </p:sp>
-          </p:grpSp>
-          <p:grpSp>
-            <p:nvGrpSpPr>
-              <p:cNvPr id="45" name="Group 44"/>
-              <p:cNvGrpSpPr/>
-              <p:nvPr/>
-            </p:nvGrpSpPr>
-            <p:grpSpPr>
-              <a:xfrm>
-                <a:off x="5332075" y="1603024"/>
-                <a:ext cx="1351999" cy="615554"/>
-                <a:chOff x="802866" y="1814829"/>
-                <a:chExt cx="1351999" cy="615554"/>
-              </a:xfrm>
-            </p:grpSpPr>
-            <p:sp>
-              <p:nvSpPr>
-                <p:cNvPr id="51" name="TextBox 50"/>
-                <p:cNvSpPr txBox="1"/>
-                <p:nvPr/>
-              </p:nvSpPr>
-              <p:spPr>
-                <a:xfrm>
-                  <a:off x="802866" y="1814829"/>
-                  <a:ext cx="1351999" cy="307777"/>
-                </a:xfrm>
-                <a:prstGeom prst="rect">
-                  <a:avLst/>
-                </a:prstGeom>
-                <a:noFill/>
-                <a:ln w="12700">
-                  <a:solidFill>
-                    <a:schemeClr val="tx1"/>
-                  </a:solidFill>
-                </a:ln>
-              </p:spPr>
-              <p:txBody>
-                <a:bodyPr wrap="square" rtlCol="0" anchor="ctr">
-                  <a:spAutoFit/>
-                </a:bodyPr>
-                <a:lstStyle/>
-                <a:p>
-                  <a:pPr algn="ctr"/>
-                  <a:r>
-                    <a:rPr lang="en-GB" sz="1400" dirty="0">
-                      <a:latin typeface="Segoe UI" panose="020B0502040204020203" pitchFamily="34" charset="0"/>
-                      <a:cs typeface="Segoe UI" panose="020B0502040204020203" pitchFamily="34" charset="0"/>
-                    </a:rPr>
-                    <a:t>number*</a:t>
-                  </a:r>
-                </a:p>
-              </p:txBody>
-            </p:sp>
-            <p:sp>
-              <p:nvSpPr>
-                <p:cNvPr id="52" name="TextBox 51"/>
-                <p:cNvSpPr txBox="1"/>
-                <p:nvPr/>
-              </p:nvSpPr>
-              <p:spPr>
-                <a:xfrm>
-                  <a:off x="802867" y="2122606"/>
-                  <a:ext cx="1351998" cy="307777"/>
-                </a:xfrm>
-                <a:prstGeom prst="rect">
-                  <a:avLst/>
-                </a:prstGeom>
-                <a:solidFill>
-                  <a:schemeClr val="accent2"/>
-                </a:solidFill>
-                <a:ln w="12700">
-                  <a:solidFill>
-                    <a:schemeClr val="tx1"/>
-                  </a:solidFill>
-                </a:ln>
-              </p:spPr>
-              <p:txBody>
-                <a:bodyPr wrap="square" rtlCol="0" anchor="ctr">
-                  <a:spAutoFit/>
-                </a:bodyPr>
-                <a:lstStyle/>
-                <a:p>
-                  <a:pPr algn="ctr"/>
-                  <a:r>
-                    <a:rPr lang="en-GB" sz="1400" dirty="0">
-                      <a:solidFill>
-                        <a:schemeClr val="bg1"/>
-                      </a:solidFill>
-                      <a:latin typeface="Segoe UI" panose="020B0502040204020203" pitchFamily="34" charset="0"/>
-                      <a:cs typeface="Segoe UI" panose="020B0502040204020203" pitchFamily="34" charset="0"/>
-                    </a:rPr>
-                    <a:t>node attribute</a:t>
-                  </a:r>
-                </a:p>
-              </p:txBody>
-            </p:sp>
-          </p:grpSp>
-          <p:grpSp>
-            <p:nvGrpSpPr>
-              <p:cNvPr id="46" name="Group 45"/>
-              <p:cNvGrpSpPr/>
-              <p:nvPr/>
-            </p:nvGrpSpPr>
-            <p:grpSpPr>
-              <a:xfrm>
-                <a:off x="5332074" y="2317103"/>
-                <a:ext cx="1351999" cy="615554"/>
-                <a:chOff x="802866" y="1814829"/>
-                <a:chExt cx="1351999" cy="615554"/>
-              </a:xfrm>
-            </p:grpSpPr>
-            <p:sp>
-              <p:nvSpPr>
-                <p:cNvPr id="49" name="TextBox 48"/>
-                <p:cNvSpPr txBox="1"/>
-                <p:nvPr/>
-              </p:nvSpPr>
-              <p:spPr>
-                <a:xfrm>
-                  <a:off x="802866" y="1814829"/>
-                  <a:ext cx="1351999" cy="307777"/>
-                </a:xfrm>
-                <a:prstGeom prst="rect">
-                  <a:avLst/>
-                </a:prstGeom>
-                <a:noFill/>
-                <a:ln w="12700">
-                  <a:solidFill>
-                    <a:schemeClr val="tx1"/>
-                  </a:solidFill>
-                </a:ln>
-              </p:spPr>
-              <p:txBody>
-                <a:bodyPr wrap="square" rtlCol="0" anchor="ctr">
-                  <a:spAutoFit/>
-                </a:bodyPr>
-                <a:lstStyle/>
-                <a:p>
-                  <a:pPr algn="ctr"/>
-                  <a:r>
-                    <a:rPr lang="en-GB" sz="1400" dirty="0">
-                      <a:latin typeface="Segoe UI" panose="020B0502040204020203" pitchFamily="34" charset="0"/>
-                      <a:cs typeface="Segoe UI" panose="020B0502040204020203" pitchFamily="34" charset="0"/>
-                    </a:rPr>
-                    <a:t>value*</a:t>
-                  </a:r>
-                </a:p>
-              </p:txBody>
-            </p:sp>
-            <p:sp>
-              <p:nvSpPr>
-                <p:cNvPr id="50" name="TextBox 49"/>
-                <p:cNvSpPr txBox="1"/>
-                <p:nvPr/>
-              </p:nvSpPr>
-              <p:spPr>
-                <a:xfrm>
-                  <a:off x="802867" y="2122606"/>
-                  <a:ext cx="1351998" cy="307777"/>
-                </a:xfrm>
-                <a:prstGeom prst="rect">
-                  <a:avLst/>
-                </a:prstGeom>
-                <a:solidFill>
-                  <a:schemeClr val="accent2"/>
-                </a:solidFill>
-                <a:ln w="12700">
-                  <a:solidFill>
-                    <a:schemeClr val="tx1"/>
-                  </a:solidFill>
-                </a:ln>
-              </p:spPr>
-              <p:txBody>
-                <a:bodyPr wrap="square" rtlCol="0" anchor="ctr">
-                  <a:spAutoFit/>
-                </a:bodyPr>
-                <a:lstStyle/>
-                <a:p>
-                  <a:pPr algn="ctr"/>
-                  <a:r>
-                    <a:rPr lang="en-GB" sz="1400" dirty="0">
-                      <a:solidFill>
-                        <a:schemeClr val="bg1"/>
-                      </a:solidFill>
-                      <a:latin typeface="Segoe UI" panose="020B0502040204020203" pitchFamily="34" charset="0"/>
-                      <a:cs typeface="Segoe UI" panose="020B0502040204020203" pitchFamily="34" charset="0"/>
-                    </a:rPr>
-                    <a:t>node attribute</a:t>
-                  </a:r>
-                </a:p>
-              </p:txBody>
-            </p:sp>
-          </p:grpSp>
-          <p:cxnSp>
-            <p:nvCxnSpPr>
-              <p:cNvPr id="47" name="Straight Connector 46"/>
-              <p:cNvCxnSpPr>
-                <a:stCxn id="49" idx="3"/>
-                <a:endCxn id="53" idx="3"/>
-              </p:cNvCxnSpPr>
-              <p:nvPr/>
-            </p:nvCxnSpPr>
-            <p:spPr>
-              <a:xfrm flipH="1" flipV="1">
-                <a:off x="6579232" y="1042834"/>
-                <a:ext cx="104841" cy="1428158"/>
-              </a:xfrm>
-              <a:prstGeom prst="bentConnector3">
-                <a:avLst>
-                  <a:gd name="adj1" fmla="val -116629"/>
-                </a:avLst>
-              </a:prstGeom>
-              <a:ln w="12700">
-                <a:solidFill>
-                  <a:schemeClr val="tx1"/>
-                </a:solidFill>
-              </a:ln>
-            </p:spPr>
-            <p:style>
-              <a:lnRef idx="1">
-                <a:schemeClr val="accent1"/>
-              </a:lnRef>
-              <a:fillRef idx="0">
-                <a:schemeClr val="accent1"/>
-              </a:fillRef>
-              <a:effectRef idx="0">
-                <a:schemeClr val="accent1"/>
-              </a:effectRef>
-              <a:fontRef idx="minor">
-                <a:schemeClr val="tx1"/>
-              </a:fontRef>
-            </p:style>
-          </p:cxnSp>
-          <p:cxnSp>
-            <p:nvCxnSpPr>
-              <p:cNvPr id="48" name="Straight Connector 49"/>
-              <p:cNvCxnSpPr>
-                <a:stCxn id="51" idx="3"/>
-                <a:endCxn id="53" idx="3"/>
-              </p:cNvCxnSpPr>
-              <p:nvPr/>
-            </p:nvCxnSpPr>
-            <p:spPr>
-              <a:xfrm flipH="1" flipV="1">
-                <a:off x="6579232" y="1042834"/>
-                <a:ext cx="104842" cy="714079"/>
-              </a:xfrm>
-              <a:prstGeom prst="bentConnector3">
-                <a:avLst>
-                  <a:gd name="adj1" fmla="val -116627"/>
-                </a:avLst>
-              </a:prstGeom>
-              <a:ln w="12700">
-                <a:solidFill>
-                  <a:schemeClr val="tx1"/>
-                </a:solidFill>
-              </a:ln>
-            </p:spPr>
-            <p:style>
-              <a:lnRef idx="1">
-                <a:schemeClr val="accent1"/>
-              </a:lnRef>
-              <a:fillRef idx="0">
-                <a:schemeClr val="accent1"/>
-              </a:fillRef>
-              <a:effectRef idx="0">
-                <a:schemeClr val="accent1"/>
-              </a:effectRef>
-              <a:fontRef idx="minor">
-                <a:schemeClr val="tx1"/>
-              </a:fontRef>
-            </p:style>
-          </p:cxnSp>
-        </p:grpSp>
-        <p:grpSp>
-          <p:nvGrpSpPr>
-            <p:cNvPr id="19" name="Group 18"/>
-            <p:cNvGrpSpPr/>
-            <p:nvPr/>
-          </p:nvGrpSpPr>
-          <p:grpSpPr>
-            <a:xfrm>
-              <a:off x="2243341" y="1175796"/>
-              <a:ext cx="2839619" cy="1364069"/>
-              <a:chOff x="2272009" y="1387601"/>
-              <a:chExt cx="2839619" cy="1364069"/>
-            </a:xfrm>
-          </p:grpSpPr>
-          <p:grpSp>
-            <p:nvGrpSpPr>
-              <p:cNvPr id="32" name="Group 31"/>
-              <p:cNvGrpSpPr/>
-              <p:nvPr/>
-            </p:nvGrpSpPr>
-            <p:grpSpPr>
-              <a:xfrm>
-                <a:off x="3147789" y="1387601"/>
-                <a:ext cx="1088063" cy="615554"/>
-                <a:chOff x="766859" y="1375932"/>
-                <a:chExt cx="1088063" cy="615554"/>
-              </a:xfrm>
-            </p:grpSpPr>
-            <p:sp>
-              <p:nvSpPr>
-                <p:cNvPr id="42" name="TextBox 41"/>
-                <p:cNvSpPr txBox="1"/>
-                <p:nvPr/>
-              </p:nvSpPr>
-              <p:spPr>
-                <a:xfrm>
-                  <a:off x="766859" y="1375932"/>
-                  <a:ext cx="1088063" cy="307777"/>
-                </a:xfrm>
-                <a:prstGeom prst="rect">
-                  <a:avLst/>
-                </a:prstGeom>
-                <a:noFill/>
-                <a:ln w="12700">
-                  <a:solidFill>
-                    <a:schemeClr val="tx1"/>
-                  </a:solidFill>
-                </a:ln>
-              </p:spPr>
-              <p:txBody>
-                <a:bodyPr wrap="square" rtlCol="0" anchor="ctr">
-                  <a:spAutoFit/>
-                </a:bodyPr>
-                <a:lstStyle/>
-                <a:p>
-                  <a:pPr algn="ctr"/>
-                  <a:r>
-                    <a:rPr lang="en-GB" sz="1400" dirty="0">
-                      <a:latin typeface="Segoe UI" panose="020B0502040204020203" pitchFamily="34" charset="0"/>
-                      <a:cs typeface="Segoe UI" panose="020B0502040204020203" pitchFamily="34" charset="0"/>
-                    </a:rPr>
-                    <a:t>grant</a:t>
-                  </a:r>
-                </a:p>
-              </p:txBody>
-            </p:sp>
-            <p:sp>
-              <p:nvSpPr>
-                <p:cNvPr id="43" name="TextBox 42"/>
-                <p:cNvSpPr txBox="1"/>
-                <p:nvPr/>
-              </p:nvSpPr>
-              <p:spPr>
-                <a:xfrm>
-                  <a:off x="766860" y="1683709"/>
-                  <a:ext cx="1088062" cy="307777"/>
-                </a:xfrm>
-                <a:prstGeom prst="rect">
-                  <a:avLst/>
-                </a:prstGeom>
-                <a:solidFill>
-                  <a:schemeClr val="accent6"/>
-                </a:solidFill>
-                <a:ln w="12700">
-                  <a:solidFill>
-                    <a:schemeClr val="tx1"/>
-                  </a:solidFill>
-                </a:ln>
-              </p:spPr>
-              <p:txBody>
-                <a:bodyPr wrap="square" rtlCol="0" anchor="ctr">
-                  <a:spAutoFit/>
-                </a:bodyPr>
-                <a:lstStyle/>
-                <a:p>
-                  <a:pPr algn="ctr"/>
-                  <a:r>
-                    <a:rPr lang="en-GB" sz="1400" dirty="0">
-                      <a:solidFill>
-                        <a:schemeClr val="bg1"/>
-                      </a:solidFill>
-                      <a:latin typeface="Segoe UI" panose="020B0502040204020203" pitchFamily="34" charset="0"/>
-                      <a:cs typeface="Segoe UI" panose="020B0502040204020203" pitchFamily="34" charset="0"/>
-                    </a:rPr>
-                    <a:t>edge</a:t>
-                  </a:r>
-                </a:p>
-              </p:txBody>
-            </p:sp>
-          </p:grpSp>
-          <p:grpSp>
-            <p:nvGrpSpPr>
-              <p:cNvPr id="33" name="Group 32"/>
-              <p:cNvGrpSpPr/>
-              <p:nvPr/>
-            </p:nvGrpSpPr>
-            <p:grpSpPr>
-              <a:xfrm>
-                <a:off x="2272009" y="2136116"/>
-                <a:ext cx="2839619" cy="615554"/>
-                <a:chOff x="2158518" y="2145509"/>
-                <a:chExt cx="2839619" cy="615554"/>
-              </a:xfrm>
-            </p:grpSpPr>
-            <p:grpSp>
-              <p:nvGrpSpPr>
-                <p:cNvPr id="36" name="Group 35"/>
-                <p:cNvGrpSpPr/>
-                <p:nvPr/>
-              </p:nvGrpSpPr>
-              <p:grpSpPr>
-                <a:xfrm>
-                  <a:off x="2158518" y="2145509"/>
-                  <a:ext cx="1351999" cy="615554"/>
-                  <a:chOff x="802866" y="1814829"/>
-                  <a:chExt cx="1351999" cy="615554"/>
-                </a:xfrm>
-              </p:grpSpPr>
-              <p:sp>
-                <p:nvSpPr>
-                  <p:cNvPr id="40" name="TextBox 39"/>
-                  <p:cNvSpPr txBox="1"/>
-                  <p:nvPr/>
-                </p:nvSpPr>
-                <p:spPr>
-                  <a:xfrm>
-                    <a:off x="802866" y="1814829"/>
-                    <a:ext cx="1351999" cy="307777"/>
-                  </a:xfrm>
-                  <a:prstGeom prst="rect">
-                    <a:avLst/>
-                  </a:prstGeom>
-                  <a:noFill/>
-                  <a:ln w="12700">
-                    <a:solidFill>
-                      <a:schemeClr val="tx1"/>
-                    </a:solidFill>
-                  </a:ln>
-                </p:spPr>
-                <p:txBody>
-                  <a:bodyPr wrap="square" rtlCol="0" anchor="ctr">
-                    <a:spAutoFit/>
-                  </a:bodyPr>
-                  <a:lstStyle/>
-                  <a:p>
-                    <a:pPr algn="ctr"/>
-                    <a:r>
-                      <a:rPr lang="en-GB" sz="1400" dirty="0">
-                        <a:latin typeface="Segoe UI" panose="020B0502040204020203" pitchFamily="34" charset="0"/>
-                        <a:cs typeface="Segoe UI" panose="020B0502040204020203" pitchFamily="34" charset="0"/>
-                      </a:rPr>
-                      <a:t>weight*</a:t>
-                    </a:r>
-                  </a:p>
-                </p:txBody>
-              </p:sp>
-              <p:sp>
-                <p:nvSpPr>
-                  <p:cNvPr id="41" name="TextBox 40"/>
-                  <p:cNvSpPr txBox="1"/>
-                  <p:nvPr/>
-                </p:nvSpPr>
-                <p:spPr>
-                  <a:xfrm>
-                    <a:off x="802867" y="2122606"/>
-                    <a:ext cx="1351998" cy="307777"/>
-                  </a:xfrm>
-                  <a:prstGeom prst="rect">
-                    <a:avLst/>
-                  </a:prstGeom>
-                  <a:solidFill>
-                    <a:srgbClr val="FF5050"/>
-                  </a:solidFill>
-                  <a:ln w="12700">
-                    <a:solidFill>
-                      <a:schemeClr val="tx1"/>
-                    </a:solidFill>
-                  </a:ln>
-                </p:spPr>
-                <p:txBody>
-                  <a:bodyPr wrap="square" rtlCol="0" anchor="ctr">
-                    <a:spAutoFit/>
-                  </a:bodyPr>
-                  <a:lstStyle/>
-                  <a:p>
-                    <a:pPr algn="ctr"/>
-                    <a:r>
-                      <a:rPr lang="en-GB" sz="1400" dirty="0">
-                        <a:solidFill>
-                          <a:schemeClr val="bg1"/>
-                        </a:solidFill>
-                        <a:latin typeface="Segoe UI" panose="020B0502040204020203" pitchFamily="34" charset="0"/>
-                        <a:cs typeface="Segoe UI" panose="020B0502040204020203" pitchFamily="34" charset="0"/>
-                      </a:rPr>
-                      <a:t>edge attribute</a:t>
-                    </a:r>
-                  </a:p>
-                </p:txBody>
-              </p:sp>
-            </p:grpSp>
-            <p:grpSp>
-              <p:nvGrpSpPr>
-                <p:cNvPr id="37" name="Group 36"/>
-                <p:cNvGrpSpPr/>
-                <p:nvPr/>
-              </p:nvGrpSpPr>
-              <p:grpSpPr>
-                <a:xfrm>
-                  <a:off x="3646138" y="2145509"/>
-                  <a:ext cx="1351999" cy="615554"/>
-                  <a:chOff x="802866" y="1814829"/>
-                  <a:chExt cx="1351999" cy="615554"/>
-                </a:xfrm>
-              </p:grpSpPr>
-              <p:sp>
-                <p:nvSpPr>
-                  <p:cNvPr id="38" name="TextBox 37"/>
-                  <p:cNvSpPr txBox="1"/>
-                  <p:nvPr/>
-                </p:nvSpPr>
-                <p:spPr>
-                  <a:xfrm>
-                    <a:off x="802866" y="1814829"/>
-                    <a:ext cx="1351999" cy="307777"/>
-                  </a:xfrm>
-                  <a:prstGeom prst="rect">
-                    <a:avLst/>
-                  </a:prstGeom>
-                  <a:noFill/>
-                  <a:ln w="12700">
-                    <a:solidFill>
-                      <a:schemeClr val="tx1"/>
-                    </a:solidFill>
-                  </a:ln>
-                </p:spPr>
-                <p:txBody>
-                  <a:bodyPr wrap="square" rtlCol="0" anchor="ctr">
-                    <a:spAutoFit/>
-                  </a:bodyPr>
-                  <a:lstStyle/>
-                  <a:p>
-                    <a:pPr algn="ctr"/>
-                    <a:r>
-                      <a:rPr lang="en-GB" sz="1400" dirty="0">
-                        <a:latin typeface="Segoe UI" panose="020B0502040204020203" pitchFamily="34" charset="0"/>
-                        <a:cs typeface="Segoe UI" panose="020B0502040204020203" pitchFamily="34" charset="0"/>
-                      </a:rPr>
-                      <a:t>value*</a:t>
-                    </a:r>
-                  </a:p>
-                </p:txBody>
-              </p:sp>
-              <p:sp>
-                <p:nvSpPr>
-                  <p:cNvPr id="39" name="TextBox 38"/>
-                  <p:cNvSpPr txBox="1"/>
-                  <p:nvPr/>
-                </p:nvSpPr>
-                <p:spPr>
-                  <a:xfrm>
-                    <a:off x="802867" y="2122606"/>
-                    <a:ext cx="1351998" cy="307777"/>
-                  </a:xfrm>
-                  <a:prstGeom prst="rect">
-                    <a:avLst/>
-                  </a:prstGeom>
-                  <a:solidFill>
-                    <a:srgbClr val="FF5050"/>
-                  </a:solidFill>
-                  <a:ln w="12700">
-                    <a:solidFill>
-                      <a:schemeClr val="tx1"/>
-                    </a:solidFill>
-                  </a:ln>
-                </p:spPr>
-                <p:txBody>
-                  <a:bodyPr wrap="square" rtlCol="0" anchor="ctr">
-                    <a:spAutoFit/>
-                  </a:bodyPr>
-                  <a:lstStyle/>
-                  <a:p>
-                    <a:pPr algn="ctr"/>
-                    <a:r>
-                      <a:rPr lang="en-GB" sz="1400" dirty="0">
-                        <a:solidFill>
-                          <a:schemeClr val="bg1"/>
-                        </a:solidFill>
-                        <a:latin typeface="Segoe UI" panose="020B0502040204020203" pitchFamily="34" charset="0"/>
-                        <a:cs typeface="Segoe UI" panose="020B0502040204020203" pitchFamily="34" charset="0"/>
-                      </a:rPr>
-                      <a:t>edge attribute</a:t>
-                    </a:r>
-                  </a:p>
-                </p:txBody>
-              </p:sp>
-            </p:grpSp>
-          </p:grpSp>
-          <p:cxnSp>
-            <p:nvCxnSpPr>
-              <p:cNvPr id="34" name="Straight Connector 67"/>
-              <p:cNvCxnSpPr>
-                <a:stCxn id="40" idx="1"/>
-                <a:endCxn id="42" idx="1"/>
-              </p:cNvCxnSpPr>
-              <p:nvPr/>
-            </p:nvCxnSpPr>
-            <p:spPr>
-              <a:xfrm rot="10800000" flipH="1">
-                <a:off x="2272009" y="1541491"/>
-                <a:ext cx="875780" cy="748515"/>
-              </a:xfrm>
-              <a:prstGeom prst="bentConnector3">
-                <a:avLst>
-                  <a:gd name="adj1" fmla="val -11533"/>
-                </a:avLst>
-              </a:prstGeom>
-              <a:ln w="12700">
-                <a:solidFill>
-                  <a:schemeClr val="tx1"/>
-                </a:solidFill>
-              </a:ln>
-            </p:spPr>
-            <p:style>
-              <a:lnRef idx="1">
-                <a:schemeClr val="accent1"/>
-              </a:lnRef>
-              <a:fillRef idx="0">
-                <a:schemeClr val="accent1"/>
-              </a:fillRef>
-              <a:effectRef idx="0">
-                <a:schemeClr val="accent1"/>
-              </a:effectRef>
-              <a:fontRef idx="minor">
-                <a:schemeClr val="tx1"/>
-              </a:fontRef>
-            </p:style>
-          </p:cxnSp>
-          <p:cxnSp>
-            <p:nvCxnSpPr>
-              <p:cNvPr id="35" name="Straight Connector 70"/>
-              <p:cNvCxnSpPr>
-                <a:stCxn id="38" idx="3"/>
-                <a:endCxn id="42" idx="3"/>
-              </p:cNvCxnSpPr>
-              <p:nvPr/>
-            </p:nvCxnSpPr>
-            <p:spPr>
-              <a:xfrm flipH="1" flipV="1">
-                <a:off x="4235852" y="1541490"/>
-                <a:ext cx="875776" cy="748515"/>
-              </a:xfrm>
-              <a:prstGeom prst="bentConnector3">
-                <a:avLst>
-                  <a:gd name="adj1" fmla="val -10725"/>
-                </a:avLst>
-              </a:prstGeom>
-              <a:ln w="12700">
-                <a:solidFill>
-                  <a:schemeClr val="tx1"/>
-                </a:solidFill>
-              </a:ln>
-            </p:spPr>
-            <p:style>
-              <a:lnRef idx="1">
-                <a:schemeClr val="accent1"/>
-              </a:lnRef>
-              <a:fillRef idx="0">
-                <a:schemeClr val="accent1"/>
-              </a:fillRef>
-              <a:effectRef idx="0">
-                <a:schemeClr val="accent1"/>
-              </a:effectRef>
-              <a:fontRef idx="minor">
-                <a:schemeClr val="tx1"/>
-              </a:fontRef>
-            </p:style>
-          </p:cxnSp>
-        </p:grpSp>
-        <p:grpSp>
-          <p:nvGrpSpPr>
-            <p:cNvPr id="91" name="Group 90"/>
-            <p:cNvGrpSpPr/>
-            <p:nvPr/>
-          </p:nvGrpSpPr>
-          <p:grpSpPr>
-            <a:xfrm>
-              <a:off x="642229" y="888945"/>
-              <a:ext cx="1352000" cy="2043712"/>
-              <a:chOff x="642229" y="888945"/>
-              <a:chExt cx="1352000" cy="2043712"/>
-            </a:xfrm>
-          </p:grpSpPr>
-          <p:grpSp>
-            <p:nvGrpSpPr>
-              <p:cNvPr id="73" name="Group 72"/>
-              <p:cNvGrpSpPr/>
-              <p:nvPr/>
-            </p:nvGrpSpPr>
-            <p:grpSpPr>
-              <a:xfrm>
-                <a:off x="748081" y="888945"/>
-                <a:ext cx="1141200" cy="615554"/>
-                <a:chOff x="774199" y="888945"/>
-                <a:chExt cx="1169725" cy="615554"/>
-              </a:xfrm>
-            </p:grpSpPr>
-            <p:sp>
-              <p:nvSpPr>
-                <p:cNvPr id="30" name="TextBox 29"/>
-                <p:cNvSpPr txBox="1"/>
-                <p:nvPr/>
-              </p:nvSpPr>
-              <p:spPr>
-                <a:xfrm>
-                  <a:off x="774199" y="888945"/>
-                  <a:ext cx="1169725" cy="307777"/>
-                </a:xfrm>
-                <a:prstGeom prst="rect">
-                  <a:avLst/>
-                </a:prstGeom>
-                <a:noFill/>
-                <a:ln w="12700">
-                  <a:solidFill>
-                    <a:schemeClr val="tx1"/>
-                  </a:solidFill>
-                </a:ln>
-              </p:spPr>
-              <p:txBody>
-                <a:bodyPr wrap="square" rtlCol="0" anchor="ctr">
-                  <a:spAutoFit/>
-                </a:bodyPr>
-                <a:lstStyle/>
-                <a:p>
-                  <a:pPr algn="ctr"/>
-                  <a:r>
-                    <a:rPr lang="en-GB" sz="1400" dirty="0">
-                      <a:latin typeface="Segoe UI" panose="020B0502040204020203" pitchFamily="34" charset="0"/>
-                      <a:cs typeface="Segoe UI" panose="020B0502040204020203" pitchFamily="34" charset="0"/>
-                    </a:rPr>
-                    <a:t>researcher 1</a:t>
-                  </a:r>
-                </a:p>
-              </p:txBody>
-            </p:sp>
-            <p:sp>
-              <p:nvSpPr>
-                <p:cNvPr id="31" name="TextBox 30"/>
-                <p:cNvSpPr txBox="1"/>
-                <p:nvPr/>
-              </p:nvSpPr>
-              <p:spPr>
-                <a:xfrm>
-                  <a:off x="774200" y="1196722"/>
-                  <a:ext cx="1169724" cy="307777"/>
-                </a:xfrm>
-                <a:prstGeom prst="rect">
-                  <a:avLst/>
-                </a:prstGeom>
-                <a:solidFill>
-                  <a:schemeClr val="accent6"/>
-                </a:solidFill>
-                <a:ln w="12700">
-                  <a:solidFill>
-                    <a:schemeClr val="tx1"/>
-                  </a:solidFill>
-                </a:ln>
-              </p:spPr>
-              <p:txBody>
-                <a:bodyPr wrap="square" rtlCol="0" anchor="ctr">
-                  <a:spAutoFit/>
-                </a:bodyPr>
-                <a:lstStyle/>
-                <a:p>
-                  <a:pPr algn="ctr"/>
-                  <a:r>
-                    <a:rPr lang="en-GB" sz="1400" dirty="0">
-                      <a:solidFill>
-                        <a:schemeClr val="bg1"/>
-                      </a:solidFill>
-                      <a:latin typeface="Segoe UI" panose="020B0502040204020203" pitchFamily="34" charset="0"/>
-                      <a:cs typeface="Segoe UI" panose="020B0502040204020203" pitchFamily="34" charset="0"/>
-                    </a:rPr>
-                    <a:t>node</a:t>
-                  </a:r>
-                </a:p>
-              </p:txBody>
-            </p:sp>
-          </p:grpSp>
-          <p:grpSp>
-            <p:nvGrpSpPr>
-              <p:cNvPr id="22" name="Group 21"/>
-              <p:cNvGrpSpPr/>
-              <p:nvPr/>
-            </p:nvGrpSpPr>
-            <p:grpSpPr>
-              <a:xfrm>
-                <a:off x="642230" y="1603024"/>
-                <a:ext cx="1351999" cy="615554"/>
-                <a:chOff x="802866" y="1814829"/>
-                <a:chExt cx="1351999" cy="615554"/>
-              </a:xfrm>
-            </p:grpSpPr>
-            <p:sp>
-              <p:nvSpPr>
-                <p:cNvPr id="28" name="TextBox 27"/>
-                <p:cNvSpPr txBox="1"/>
-                <p:nvPr/>
-              </p:nvSpPr>
-              <p:spPr>
-                <a:xfrm>
-                  <a:off x="802866" y="1814829"/>
-                  <a:ext cx="1351999" cy="307777"/>
-                </a:xfrm>
-                <a:prstGeom prst="rect">
-                  <a:avLst/>
-                </a:prstGeom>
-                <a:noFill/>
-                <a:ln w="12700">
-                  <a:solidFill>
-                    <a:schemeClr val="tx1"/>
-                  </a:solidFill>
-                </a:ln>
-              </p:spPr>
-              <p:txBody>
-                <a:bodyPr wrap="square" rtlCol="0" anchor="ctr">
-                  <a:spAutoFit/>
-                </a:bodyPr>
-                <a:lstStyle/>
-                <a:p>
-                  <a:pPr algn="ctr"/>
-                  <a:r>
-                    <a:rPr lang="en-GB" sz="1400" dirty="0">
-                      <a:latin typeface="Segoe UI" panose="020B0502040204020203" pitchFamily="34" charset="0"/>
-                      <a:cs typeface="Segoe UI" panose="020B0502040204020203" pitchFamily="34" charset="0"/>
-                    </a:rPr>
-                    <a:t>number*</a:t>
-                  </a:r>
-                </a:p>
-              </p:txBody>
-            </p:sp>
-            <p:sp>
-              <p:nvSpPr>
-                <p:cNvPr id="29" name="TextBox 28"/>
-                <p:cNvSpPr txBox="1"/>
-                <p:nvPr/>
-              </p:nvSpPr>
-              <p:spPr>
-                <a:xfrm>
-                  <a:off x="802867" y="2122606"/>
-                  <a:ext cx="1351998" cy="307777"/>
-                </a:xfrm>
-                <a:prstGeom prst="rect">
-                  <a:avLst/>
-                </a:prstGeom>
-                <a:solidFill>
-                  <a:schemeClr val="accent2"/>
-                </a:solidFill>
-                <a:ln w="12700">
-                  <a:solidFill>
-                    <a:schemeClr val="tx1"/>
-                  </a:solidFill>
-                </a:ln>
-              </p:spPr>
-              <p:txBody>
-                <a:bodyPr wrap="square" rtlCol="0" anchor="ctr">
-                  <a:spAutoFit/>
-                </a:bodyPr>
-                <a:lstStyle/>
-                <a:p>
-                  <a:pPr algn="ctr"/>
-                  <a:r>
-                    <a:rPr lang="en-GB" sz="1400" dirty="0">
-                      <a:solidFill>
-                        <a:schemeClr val="bg1"/>
-                      </a:solidFill>
-                      <a:latin typeface="Segoe UI" panose="020B0502040204020203" pitchFamily="34" charset="0"/>
-                      <a:cs typeface="Segoe UI" panose="020B0502040204020203" pitchFamily="34" charset="0"/>
-                    </a:rPr>
-                    <a:t>node attribute</a:t>
-                  </a:r>
-                </a:p>
-              </p:txBody>
-            </p:sp>
-          </p:grpSp>
-          <p:grpSp>
-            <p:nvGrpSpPr>
-              <p:cNvPr id="23" name="Group 22"/>
-              <p:cNvGrpSpPr/>
-              <p:nvPr/>
-            </p:nvGrpSpPr>
-            <p:grpSpPr>
-              <a:xfrm>
-                <a:off x="642230" y="2317103"/>
-                <a:ext cx="1351999" cy="615554"/>
-                <a:chOff x="802866" y="1814829"/>
-                <a:chExt cx="1351999" cy="615554"/>
-              </a:xfrm>
-            </p:grpSpPr>
-            <p:sp>
-              <p:nvSpPr>
-                <p:cNvPr id="26" name="TextBox 25"/>
-                <p:cNvSpPr txBox="1"/>
-                <p:nvPr/>
-              </p:nvSpPr>
-              <p:spPr>
-                <a:xfrm>
-                  <a:off x="802866" y="1814829"/>
-                  <a:ext cx="1351999" cy="307777"/>
-                </a:xfrm>
-                <a:prstGeom prst="rect">
-                  <a:avLst/>
-                </a:prstGeom>
-                <a:noFill/>
-                <a:ln w="12700">
-                  <a:solidFill>
-                    <a:schemeClr val="tx1"/>
-                  </a:solidFill>
-                </a:ln>
-              </p:spPr>
-              <p:txBody>
-                <a:bodyPr wrap="square" rtlCol="0" anchor="ctr">
-                  <a:spAutoFit/>
-                </a:bodyPr>
-                <a:lstStyle/>
-                <a:p>
-                  <a:pPr algn="ctr"/>
-                  <a:r>
-                    <a:rPr lang="en-GB" sz="1400" dirty="0">
-                      <a:latin typeface="Segoe UI" panose="020B0502040204020203" pitchFamily="34" charset="0"/>
-                      <a:cs typeface="Segoe UI" panose="020B0502040204020203" pitchFamily="34" charset="0"/>
-                    </a:rPr>
-                    <a:t>value*</a:t>
-                  </a:r>
-                </a:p>
-              </p:txBody>
-            </p:sp>
-            <p:sp>
-              <p:nvSpPr>
-                <p:cNvPr id="27" name="TextBox 26"/>
-                <p:cNvSpPr txBox="1"/>
-                <p:nvPr/>
-              </p:nvSpPr>
-              <p:spPr>
-                <a:xfrm>
-                  <a:off x="802867" y="2122606"/>
-                  <a:ext cx="1351998" cy="307777"/>
-                </a:xfrm>
-                <a:prstGeom prst="rect">
-                  <a:avLst/>
-                </a:prstGeom>
-                <a:solidFill>
-                  <a:schemeClr val="accent2"/>
-                </a:solidFill>
-                <a:ln w="12700">
-                  <a:solidFill>
-                    <a:schemeClr val="tx1"/>
-                  </a:solidFill>
-                </a:ln>
-              </p:spPr>
-              <p:txBody>
-                <a:bodyPr wrap="square" rtlCol="0" anchor="ctr">
-                  <a:spAutoFit/>
-                </a:bodyPr>
-                <a:lstStyle/>
-                <a:p>
-                  <a:pPr algn="ctr"/>
-                  <a:r>
-                    <a:rPr lang="en-GB" sz="1400" dirty="0">
-                      <a:solidFill>
-                        <a:schemeClr val="bg1"/>
-                      </a:solidFill>
-                      <a:latin typeface="Segoe UI" panose="020B0502040204020203" pitchFamily="34" charset="0"/>
-                      <a:cs typeface="Segoe UI" panose="020B0502040204020203" pitchFamily="34" charset="0"/>
-                    </a:rPr>
-                    <a:t>node attribute</a:t>
-                  </a:r>
-                </a:p>
-              </p:txBody>
-            </p:sp>
-          </p:grpSp>
-          <p:cxnSp>
-            <p:nvCxnSpPr>
-              <p:cNvPr id="24" name="Straight Connector 89"/>
-              <p:cNvCxnSpPr>
-                <a:stCxn id="26" idx="1"/>
-                <a:endCxn id="30" idx="1"/>
-              </p:cNvCxnSpPr>
-              <p:nvPr/>
-            </p:nvCxnSpPr>
-            <p:spPr>
-              <a:xfrm rot="10800000" flipH="1">
-                <a:off x="642229" y="1042834"/>
-                <a:ext cx="105851" cy="1428158"/>
-              </a:xfrm>
-              <a:prstGeom prst="bentConnector3">
-                <a:avLst>
-                  <a:gd name="adj1" fmla="val -108819"/>
-                </a:avLst>
-              </a:prstGeom>
-              <a:ln w="12700">
-                <a:solidFill>
-                  <a:schemeClr val="tx1"/>
-                </a:solidFill>
-              </a:ln>
-            </p:spPr>
-            <p:style>
-              <a:lnRef idx="1">
-                <a:schemeClr val="accent1"/>
-              </a:lnRef>
-              <a:fillRef idx="0">
-                <a:schemeClr val="accent1"/>
-              </a:fillRef>
-              <a:effectRef idx="0">
-                <a:schemeClr val="accent1"/>
-              </a:effectRef>
-              <a:fontRef idx="minor">
-                <a:schemeClr val="tx1"/>
-              </a:fontRef>
-            </p:style>
-          </p:cxnSp>
-          <p:cxnSp>
-            <p:nvCxnSpPr>
-              <p:cNvPr id="25" name="Straight Connector 92"/>
-              <p:cNvCxnSpPr>
-                <a:stCxn id="28" idx="1"/>
-                <a:endCxn id="30" idx="1"/>
-              </p:cNvCxnSpPr>
-              <p:nvPr/>
-            </p:nvCxnSpPr>
-            <p:spPr>
-              <a:xfrm rot="10800000" flipH="1">
-                <a:off x="642229" y="1042835"/>
-                <a:ext cx="105851" cy="714079"/>
-              </a:xfrm>
-              <a:prstGeom prst="bentConnector3">
-                <a:avLst>
-                  <a:gd name="adj1" fmla="val -108819"/>
-                </a:avLst>
-              </a:prstGeom>
-              <a:ln w="12700">
-                <a:solidFill>
-                  <a:schemeClr val="tx1"/>
-                </a:solidFill>
-              </a:ln>
-            </p:spPr>
-            <p:style>
-              <a:lnRef idx="1">
-                <a:schemeClr val="accent1"/>
-              </a:lnRef>
-              <a:fillRef idx="0">
-                <a:schemeClr val="accent1"/>
-              </a:fillRef>
-              <a:effectRef idx="0">
-                <a:schemeClr val="accent1"/>
-              </a:effectRef>
-              <a:fontRef idx="minor">
-                <a:schemeClr val="tx1"/>
-              </a:fontRef>
-            </p:style>
-          </p:cxnSp>
-        </p:grpSp>
-        <p:grpSp>
-          <p:nvGrpSpPr>
-            <p:cNvPr id="9" name="Group 8"/>
-            <p:cNvGrpSpPr/>
-            <p:nvPr/>
-          </p:nvGrpSpPr>
-          <p:grpSpPr>
-            <a:xfrm>
-              <a:off x="336317" y="3065617"/>
-              <a:ext cx="3330000" cy="1192315"/>
-              <a:chOff x="7808968" y="1224821"/>
-              <a:chExt cx="3330000" cy="1192315"/>
-            </a:xfrm>
-          </p:grpSpPr>
-          <p:sp>
-            <p:nvSpPr>
-              <p:cNvPr id="14" name="Rectangle 13"/>
-              <p:cNvSpPr/>
-              <p:nvPr/>
-            </p:nvSpPr>
-            <p:spPr>
-              <a:xfrm>
-                <a:off x="7808968" y="1224822"/>
-                <a:ext cx="3330000" cy="1192314"/>
-              </a:xfrm>
-              <a:prstGeom prst="rect">
-                <a:avLst/>
-              </a:prstGeom>
-              <a:noFill/>
-              <a:ln w="12700">
-                <a:solidFill>
-                  <a:schemeClr val="tx1"/>
-                </a:solidFill>
-              </a:ln>
-            </p:spPr>
-            <p:style>
-              <a:lnRef idx="2">
-                <a:schemeClr val="accent1">
-                  <a:shade val="50000"/>
-                </a:schemeClr>
-              </a:lnRef>
-              <a:fillRef idx="1">
-                <a:schemeClr val="accent1"/>
-              </a:fillRef>
-              <a:effectRef idx="0">
-                <a:schemeClr val="accent1"/>
-              </a:effectRef>
-              <a:fontRef idx="minor">
-                <a:schemeClr val="lt1"/>
-              </a:fontRef>
-            </p:style>
-            <p:txBody>
-              <a:bodyPr rtlCol="0" anchor="ctr"/>
-              <a:lstStyle/>
-              <a:p>
-                <a:pPr algn="ctr"/>
-                <a:endParaRPr lang="en-GB"/>
-              </a:p>
-            </p:txBody>
-          </p:sp>
-          <p:sp>
-            <p:nvSpPr>
-              <p:cNvPr id="15" name="TextBox 14"/>
-              <p:cNvSpPr txBox="1"/>
-              <p:nvPr/>
-            </p:nvSpPr>
-            <p:spPr>
-              <a:xfrm>
-                <a:off x="7808968" y="1224821"/>
-                <a:ext cx="3330000" cy="307777"/>
-              </a:xfrm>
-              <a:prstGeom prst="rect">
-                <a:avLst/>
-              </a:prstGeom>
-              <a:noFill/>
-              <a:ln w="12700">
-                <a:solidFill>
-                  <a:schemeClr val="tx1"/>
-                </a:solidFill>
-              </a:ln>
-            </p:spPr>
-            <p:txBody>
-              <a:bodyPr wrap="square" rtlCol="0" anchor="ctr">
-                <a:spAutoFit/>
-              </a:bodyPr>
-              <a:lstStyle/>
-              <a:p>
-                <a:r>
-                  <a:rPr lang="en-GB" sz="1400" dirty="0">
-                    <a:latin typeface="Segoe UI" panose="020B0502040204020203" pitchFamily="34" charset="0"/>
-                    <a:cs typeface="Segoe UI" panose="020B0502040204020203" pitchFamily="34" charset="0"/>
-                  </a:rPr>
-                  <a:t>Node Attributes</a:t>
-                </a:r>
-              </a:p>
-            </p:txBody>
-          </p:sp>
-          <p:sp>
-            <p:nvSpPr>
-              <p:cNvPr id="16" name="TextBox 15"/>
-              <p:cNvSpPr txBox="1"/>
-              <p:nvPr/>
-            </p:nvSpPr>
-            <p:spPr>
-              <a:xfrm>
-                <a:off x="7808968" y="1532598"/>
-                <a:ext cx="3330000" cy="830997"/>
-              </a:xfrm>
-              <a:prstGeom prst="rect">
-                <a:avLst/>
-              </a:prstGeom>
-              <a:noFill/>
-              <a:ln w="12700">
-                <a:noFill/>
-              </a:ln>
-            </p:spPr>
-            <p:txBody>
-              <a:bodyPr wrap="square" rtlCol="0" anchor="ctr">
-                <a:spAutoFit/>
-              </a:bodyPr>
-              <a:lstStyle/>
-              <a:p>
-                <a:r>
-                  <a:rPr lang="en-GB" sz="1200" dirty="0">
-                    <a:latin typeface="Segoe UI" panose="020B0502040204020203" pitchFamily="34" charset="0"/>
-                    <a:cs typeface="Segoe UI" panose="020B0502040204020203" pitchFamily="34" charset="0"/>
-                  </a:rPr>
-                  <a:t>*</a:t>
-                </a:r>
-                <a:r>
-                  <a:rPr lang="en-GB" sz="1200" b="1" dirty="0">
-                    <a:latin typeface="Segoe UI" panose="020B0502040204020203" pitchFamily="34" charset="0"/>
-                    <a:cs typeface="Segoe UI" panose="020B0502040204020203" pitchFamily="34" charset="0"/>
-                  </a:rPr>
-                  <a:t>number</a:t>
-                </a:r>
-                <a:r>
-                  <a:rPr lang="en-GB" sz="1200" dirty="0">
-                    <a:latin typeface="Segoe UI" panose="020B0502040204020203" pitchFamily="34" charset="0"/>
-                    <a:cs typeface="Segoe UI" panose="020B0502040204020203" pitchFamily="34" charset="0"/>
-                  </a:rPr>
-                  <a:t>: represents the number of grants the researcher appears under</a:t>
-                </a:r>
-              </a:p>
-              <a:p>
-                <a:r>
-                  <a:rPr lang="en-GB" sz="1200" dirty="0">
-                    <a:latin typeface="Segoe UI" panose="020B0502040204020203" pitchFamily="34" charset="0"/>
-                    <a:cs typeface="Segoe UI" panose="020B0502040204020203" pitchFamily="34" charset="0"/>
-                  </a:rPr>
-                  <a:t>*</a:t>
-                </a:r>
-                <a:r>
-                  <a:rPr lang="en-GB" sz="1200" b="1" dirty="0">
-                    <a:latin typeface="Segoe UI" panose="020B0502040204020203" pitchFamily="34" charset="0"/>
-                    <a:cs typeface="Segoe UI" panose="020B0502040204020203" pitchFamily="34" charset="0"/>
-                  </a:rPr>
-                  <a:t>value</a:t>
-                </a:r>
-                <a:r>
-                  <a:rPr lang="en-GB" sz="1200" dirty="0">
-                    <a:latin typeface="Segoe UI" panose="020B0502040204020203" pitchFamily="34" charset="0"/>
-                    <a:cs typeface="Segoe UI" panose="020B0502040204020203" pitchFamily="34" charset="0"/>
-                  </a:rPr>
-                  <a:t>: represents the cumulative value of the grants the researcher appears under</a:t>
-                </a:r>
-              </a:p>
-            </p:txBody>
-          </p:sp>
-        </p:grpSp>
-        <p:grpSp>
-          <p:nvGrpSpPr>
-            <p:cNvPr id="10" name="Group 9"/>
-            <p:cNvGrpSpPr/>
-            <p:nvPr/>
-          </p:nvGrpSpPr>
-          <p:grpSpPr>
-            <a:xfrm>
-              <a:off x="3663152" y="3065617"/>
-              <a:ext cx="3330000" cy="1192315"/>
-              <a:chOff x="7695770" y="1874833"/>
-              <a:chExt cx="3330000" cy="1192315"/>
-            </a:xfrm>
-          </p:grpSpPr>
-          <p:sp>
-            <p:nvSpPr>
-              <p:cNvPr id="11" name="Rectangle 10"/>
-              <p:cNvSpPr/>
-              <p:nvPr/>
-            </p:nvSpPr>
-            <p:spPr>
-              <a:xfrm>
-                <a:off x="7695770" y="1874834"/>
-                <a:ext cx="3330000" cy="1192314"/>
-              </a:xfrm>
-              <a:prstGeom prst="rect">
-                <a:avLst/>
-              </a:prstGeom>
-              <a:noFill/>
-              <a:ln w="12700">
-                <a:solidFill>
-                  <a:schemeClr val="tx1"/>
-                </a:solidFill>
-              </a:ln>
-            </p:spPr>
-            <p:style>
-              <a:lnRef idx="2">
-                <a:schemeClr val="accent1">
-                  <a:shade val="50000"/>
-                </a:schemeClr>
-              </a:lnRef>
-              <a:fillRef idx="1">
-                <a:schemeClr val="accent1"/>
-              </a:fillRef>
-              <a:effectRef idx="0">
-                <a:schemeClr val="accent1"/>
-              </a:effectRef>
-              <a:fontRef idx="minor">
-                <a:schemeClr val="lt1"/>
-              </a:fontRef>
-            </p:style>
-            <p:txBody>
-              <a:bodyPr rtlCol="0" anchor="ctr"/>
-              <a:lstStyle/>
-              <a:p>
-                <a:pPr algn="ctr"/>
-                <a:endParaRPr lang="en-GB"/>
-              </a:p>
-            </p:txBody>
-          </p:sp>
-          <p:sp>
-            <p:nvSpPr>
-              <p:cNvPr id="12" name="TextBox 11"/>
-              <p:cNvSpPr txBox="1"/>
-              <p:nvPr/>
-            </p:nvSpPr>
-            <p:spPr>
-              <a:xfrm>
-                <a:off x="7695770" y="1874833"/>
-                <a:ext cx="3330000" cy="307777"/>
-              </a:xfrm>
-              <a:prstGeom prst="rect">
-                <a:avLst/>
-              </a:prstGeom>
-              <a:noFill/>
-              <a:ln w="12700">
-                <a:solidFill>
-                  <a:schemeClr val="tx1"/>
-                </a:solidFill>
-              </a:ln>
-            </p:spPr>
-            <p:txBody>
-              <a:bodyPr wrap="square" rtlCol="0" anchor="ctr">
-                <a:spAutoFit/>
-              </a:bodyPr>
-              <a:lstStyle/>
-              <a:p>
-                <a:r>
-                  <a:rPr lang="en-GB" sz="1400" dirty="0">
-                    <a:latin typeface="Segoe UI" panose="020B0502040204020203" pitchFamily="34" charset="0"/>
-                    <a:cs typeface="Segoe UI" panose="020B0502040204020203" pitchFamily="34" charset="0"/>
-                  </a:rPr>
-                  <a:t>Edge Attributes</a:t>
-                </a:r>
-              </a:p>
-            </p:txBody>
-          </p:sp>
-          <p:sp>
-            <p:nvSpPr>
-              <p:cNvPr id="13" name="TextBox 12"/>
-              <p:cNvSpPr txBox="1"/>
-              <p:nvPr/>
-            </p:nvSpPr>
-            <p:spPr>
-              <a:xfrm>
-                <a:off x="7695770" y="2182610"/>
-                <a:ext cx="3330000" cy="830997"/>
-              </a:xfrm>
-              <a:prstGeom prst="rect">
-                <a:avLst/>
-              </a:prstGeom>
-              <a:noFill/>
-              <a:ln w="12700">
-                <a:noFill/>
-              </a:ln>
-            </p:spPr>
-            <p:txBody>
-              <a:bodyPr wrap="square" rtlCol="0" anchor="ctr">
-                <a:spAutoFit/>
-              </a:bodyPr>
-              <a:lstStyle/>
-              <a:p>
-                <a:r>
-                  <a:rPr lang="en-GB" sz="1200" dirty="0">
-                    <a:latin typeface="Segoe UI" panose="020B0502040204020203" pitchFamily="34" charset="0"/>
-                    <a:cs typeface="Segoe UI" panose="020B0502040204020203" pitchFamily="34" charset="0"/>
-                  </a:rPr>
-                  <a:t>*</a:t>
-                </a:r>
-                <a:r>
-                  <a:rPr lang="en-GB" sz="1200" b="1" dirty="0">
-                    <a:latin typeface="Segoe UI" panose="020B0502040204020203" pitchFamily="34" charset="0"/>
-                    <a:cs typeface="Segoe UI" panose="020B0502040204020203" pitchFamily="34" charset="0"/>
-                  </a:rPr>
-                  <a:t>weight</a:t>
-                </a:r>
-                <a:r>
-                  <a:rPr lang="en-GB" sz="1200" dirty="0">
-                    <a:latin typeface="Segoe UI" panose="020B0502040204020203" pitchFamily="34" charset="0"/>
-                    <a:cs typeface="Segoe UI" panose="020B0502040204020203" pitchFamily="34" charset="0"/>
-                  </a:rPr>
-                  <a:t>: represents the number of grants the researchers have in common</a:t>
-                </a:r>
-              </a:p>
-              <a:p>
-                <a:r>
-                  <a:rPr lang="en-GB" sz="1200" dirty="0">
-                    <a:latin typeface="Segoe UI" panose="020B0502040204020203" pitchFamily="34" charset="0"/>
-                    <a:cs typeface="Segoe UI" panose="020B0502040204020203" pitchFamily="34" charset="0"/>
-                  </a:rPr>
-                  <a:t>*</a:t>
-                </a:r>
-                <a:r>
-                  <a:rPr lang="en-GB" sz="1200" b="1" dirty="0">
-                    <a:latin typeface="Segoe UI" panose="020B0502040204020203" pitchFamily="34" charset="0"/>
-                    <a:cs typeface="Segoe UI" panose="020B0502040204020203" pitchFamily="34" charset="0"/>
-                  </a:rPr>
-                  <a:t>value</a:t>
-                </a:r>
-                <a:r>
-                  <a:rPr lang="en-GB" sz="1200" dirty="0">
-                    <a:latin typeface="Segoe UI" panose="020B0502040204020203" pitchFamily="34" charset="0"/>
-                    <a:cs typeface="Segoe UI" panose="020B0502040204020203" pitchFamily="34" charset="0"/>
-                  </a:rPr>
-                  <a:t>: represents the value of the grants that the researchers have in common</a:t>
-                </a:r>
-              </a:p>
-            </p:txBody>
-          </p:sp>
-        </p:grpSp>
-      </p:grpSp>
-    </p:spTree>
-    <p:extLst>
-      <p:ext uri="{BB962C8B-B14F-4D97-AF65-F5344CB8AC3E}">
-        <p14:creationId xmlns:p14="http://schemas.microsoft.com/office/powerpoint/2010/main" val="2679610021"/>
-      </p:ext>
-    </p:extLst>
-  </p:cSld>
-  <p:clrMapOvr>
-    <a:masterClrMapping/>
-  </p:clrMapOvr>
-</p:sld>
-</file>
-
-<file path=ppt/slides/slide4.xml><?xml version="1.0" encoding="utf-8"?>
-<p:sld xmlns:a="http://schemas.openxmlformats.org/drawingml/2006/main" xmlns:r="http://schemas.openxmlformats.org/officeDocument/2006/relationships" xmlns:p="http://schemas.openxmlformats.org/presentationml/2006/main">
-  <p:cSld>
-    <p:spTree>
-      <p:nvGrpSpPr>
-        <p:cNvPr id="1" name=""/>
-        <p:cNvGrpSpPr/>
-        <p:nvPr/>
-      </p:nvGrpSpPr>
-      <p:grpSpPr>
-        <a:xfrm>
-          <a:off x="0" y="0"/>
-          <a:ext cx="0" cy="0"/>
-          <a:chOff x="0" y="0"/>
-          <a:chExt cx="0" cy="0"/>
-        </a:xfrm>
-      </p:grpSpPr>
-      <p:grpSp>
-        <p:nvGrpSpPr>
           <p:cNvPr id="58" name="Group 57"/>
           <p:cNvGrpSpPr/>
           <p:nvPr/>
         </p:nvGrpSpPr>
         <p:grpSpPr>
           <a:xfrm>
-            <a:off x="333150" y="386671"/>
+            <a:off x="3161850" y="1858379"/>
             <a:ext cx="5868300" cy="3141242"/>
             <a:chOff x="333150" y="386671"/>
             <a:chExt cx="5868300" cy="3141242"/>
@@ -7972,7 +6205,7 @@
                   <a:latin typeface="Segoe UI" panose="020B0502040204020203" pitchFamily="34" charset="0"/>
                   <a:cs typeface="Segoe UI" panose="020B0502040204020203" pitchFamily="34" charset="0"/>
                 </a:rPr>
-                <a:t>Researcher B</a:t>
+                <a:t>Researcher A</a:t>
               </a:r>
             </a:p>
           </p:txBody>
@@ -9115,6 +7348,1773 @@
 </p:sld>
 </file>
 
+<file path=ppt/slides/slide4.xml><?xml version="1.0" encoding="utf-8"?>
+<p:sld xmlns:a="http://schemas.openxmlformats.org/drawingml/2006/main" xmlns:r="http://schemas.openxmlformats.org/officeDocument/2006/relationships" xmlns:p="http://schemas.openxmlformats.org/presentationml/2006/main">
+  <p:cSld>
+    <p:spTree>
+      <p:nvGrpSpPr>
+        <p:cNvPr id="1" name=""/>
+        <p:cNvGrpSpPr/>
+        <p:nvPr/>
+      </p:nvGrpSpPr>
+      <p:grpSpPr>
+        <a:xfrm>
+          <a:off x="0" y="0"/>
+          <a:ext cx="0" cy="0"/>
+          <a:chOff x="0" y="0"/>
+          <a:chExt cx="0" cy="0"/>
+        </a:xfrm>
+      </p:grpSpPr>
+      <p:grpSp>
+        <p:nvGrpSpPr>
+          <p:cNvPr id="3" name="Group 2"/>
+          <p:cNvGrpSpPr/>
+          <p:nvPr/>
+        </p:nvGrpSpPr>
+        <p:grpSpPr>
+          <a:xfrm>
+            <a:off x="2764843" y="1491983"/>
+            <a:ext cx="6662315" cy="3874035"/>
+            <a:chOff x="2764018" y="1491983"/>
+            <a:chExt cx="6662315" cy="3874035"/>
+          </a:xfrm>
+        </p:grpSpPr>
+        <p:sp>
+          <p:nvSpPr>
+            <p:cNvPr id="5" name="Rectangle 4"/>
+            <p:cNvSpPr/>
+            <p:nvPr/>
+          </p:nvSpPr>
+          <p:spPr>
+            <a:xfrm>
+              <a:off x="2766333" y="1491984"/>
+              <a:ext cx="6660000" cy="3874034"/>
+            </a:xfrm>
+            <a:prstGeom prst="rect">
+              <a:avLst/>
+            </a:prstGeom>
+            <a:solidFill>
+              <a:schemeClr val="bg1"/>
+            </a:solidFill>
+            <a:ln w="12700">
+              <a:solidFill>
+                <a:schemeClr val="tx1"/>
+              </a:solidFill>
+            </a:ln>
+          </p:spPr>
+          <p:style>
+            <a:lnRef idx="2">
+              <a:schemeClr val="accent1">
+                <a:shade val="50000"/>
+              </a:schemeClr>
+            </a:lnRef>
+            <a:fillRef idx="1">
+              <a:schemeClr val="accent1"/>
+            </a:fillRef>
+            <a:effectRef idx="0">
+              <a:schemeClr val="accent1"/>
+            </a:effectRef>
+            <a:fontRef idx="minor">
+              <a:schemeClr val="lt1"/>
+            </a:fontRef>
+          </p:style>
+          <p:txBody>
+            <a:bodyPr rtlCol="0" anchor="ctr"/>
+            <a:lstStyle/>
+            <a:p>
+              <a:pPr algn="ctr"/>
+              <a:endParaRPr lang="en-GB"/>
+            </a:p>
+          </p:txBody>
+        </p:sp>
+        <p:sp>
+          <p:nvSpPr>
+            <p:cNvPr id="6" name="TextBox 5"/>
+            <p:cNvSpPr txBox="1"/>
+            <p:nvPr/>
+          </p:nvSpPr>
+          <p:spPr>
+            <a:xfrm>
+              <a:off x="4088742" y="1491983"/>
+              <a:ext cx="5337591" cy="307777"/>
+            </a:xfrm>
+            <a:prstGeom prst="rect">
+              <a:avLst/>
+            </a:prstGeom>
+            <a:solidFill>
+              <a:schemeClr val="accent1"/>
+            </a:solidFill>
+            <a:ln w="12700">
+              <a:solidFill>
+                <a:schemeClr val="tx1"/>
+              </a:solidFill>
+            </a:ln>
+          </p:spPr>
+          <p:txBody>
+            <a:bodyPr wrap="square" rtlCol="0" anchor="ctr">
+              <a:spAutoFit/>
+            </a:bodyPr>
+            <a:lstStyle/>
+            <a:p>
+              <a:pPr algn="ctr"/>
+              <a:r>
+                <a:rPr lang="en-GB" sz="1400" dirty="0">
+                  <a:solidFill>
+                    <a:schemeClr val="bg1"/>
+                  </a:solidFill>
+                  <a:latin typeface="Segoe UI" panose="020B0502040204020203" pitchFamily="34" charset="0"/>
+                  <a:cs typeface="Segoe UI" panose="020B0502040204020203" pitchFamily="34" charset="0"/>
+                </a:rPr>
+                <a:t>network</a:t>
+              </a:r>
+            </a:p>
+          </p:txBody>
+        </p:sp>
+        <p:sp>
+          <p:nvSpPr>
+            <p:cNvPr id="7" name="TextBox 6"/>
+            <p:cNvSpPr txBox="1"/>
+            <p:nvPr/>
+          </p:nvSpPr>
+          <p:spPr>
+            <a:xfrm>
+              <a:off x="2766333" y="1491983"/>
+              <a:ext cx="1322408" cy="307777"/>
+            </a:xfrm>
+            <a:prstGeom prst="rect">
+              <a:avLst/>
+            </a:prstGeom>
+            <a:noFill/>
+            <a:ln w="12700">
+              <a:solidFill>
+                <a:schemeClr val="tx1"/>
+              </a:solidFill>
+            </a:ln>
+          </p:spPr>
+          <p:txBody>
+            <a:bodyPr wrap="square" rtlCol="0" anchor="ctr">
+              <a:spAutoFit/>
+            </a:bodyPr>
+            <a:lstStyle/>
+            <a:p>
+              <a:pPr algn="ctr"/>
+              <a:r>
+                <a:rPr lang="en-GB" sz="1400" dirty="0">
+                  <a:latin typeface="Segoe UI" panose="020B0502040204020203" pitchFamily="34" charset="0"/>
+                  <a:cs typeface="Segoe UI" panose="020B0502040204020203" pitchFamily="34" charset="0"/>
+                </a:rPr>
+                <a:t>Researcher B</a:t>
+              </a:r>
+            </a:p>
+          </p:txBody>
+        </p:sp>
+        <p:grpSp>
+          <p:nvGrpSpPr>
+            <p:cNvPr id="17" name="Group 16"/>
+            <p:cNvGrpSpPr/>
+            <p:nvPr/>
+          </p:nvGrpSpPr>
+          <p:grpSpPr>
+            <a:xfrm>
+              <a:off x="4322462" y="1876685"/>
+              <a:ext cx="3547632" cy="276999"/>
+              <a:chOff x="1917949" y="983178"/>
+              <a:chExt cx="3547632" cy="276999"/>
+            </a:xfrm>
+          </p:grpSpPr>
+          <p:cxnSp>
+            <p:nvCxnSpPr>
+              <p:cNvPr id="55" name="Straight Connector 54"/>
+              <p:cNvCxnSpPr>
+                <a:stCxn id="30" idx="3"/>
+                <a:endCxn id="53" idx="1"/>
+              </p:cNvCxnSpPr>
+              <p:nvPr/>
+            </p:nvCxnSpPr>
+            <p:spPr>
+              <a:xfrm>
+                <a:off x="1917949" y="1254639"/>
+                <a:ext cx="3547632" cy="0"/>
+              </a:xfrm>
+              <a:prstGeom prst="line">
+                <a:avLst/>
+              </a:prstGeom>
+              <a:ln w="12700">
+                <a:solidFill>
+                  <a:schemeClr val="tx1"/>
+                </a:solidFill>
+              </a:ln>
+            </p:spPr>
+            <p:style>
+              <a:lnRef idx="1">
+                <a:schemeClr val="accent1"/>
+              </a:lnRef>
+              <a:fillRef idx="0">
+                <a:schemeClr val="accent1"/>
+              </a:fillRef>
+              <a:effectRef idx="0">
+                <a:schemeClr val="accent1"/>
+              </a:effectRef>
+              <a:fontRef idx="minor">
+                <a:schemeClr val="tx1"/>
+              </a:fontRef>
+            </p:style>
+          </p:cxnSp>
+          <p:sp>
+            <p:nvSpPr>
+              <p:cNvPr id="56" name="TextBox 55"/>
+              <p:cNvSpPr txBox="1"/>
+              <p:nvPr/>
+            </p:nvSpPr>
+            <p:spPr>
+              <a:xfrm>
+                <a:off x="2853839" y="983178"/>
+                <a:ext cx="1702983" cy="276999"/>
+              </a:xfrm>
+              <a:prstGeom prst="rect">
+                <a:avLst/>
+              </a:prstGeom>
+              <a:noFill/>
+              <a:ln w="12700">
+                <a:noFill/>
+              </a:ln>
+            </p:spPr>
+            <p:txBody>
+              <a:bodyPr wrap="square" rtlCol="0" anchor="ctr">
+                <a:spAutoFit/>
+              </a:bodyPr>
+              <a:lstStyle/>
+              <a:p>
+                <a:pPr algn="ctr"/>
+                <a:r>
+                  <a:rPr lang="en-GB" sz="1200" dirty="0">
+                    <a:latin typeface="Segoe UI" panose="020B0502040204020203" pitchFamily="34" charset="0"/>
+                    <a:cs typeface="Segoe UI" panose="020B0502040204020203" pitchFamily="34" charset="0"/>
+                  </a:rPr>
+                  <a:t>common grants</a:t>
+                </a:r>
+              </a:p>
+            </p:txBody>
+          </p:sp>
+        </p:grpSp>
+        <p:grpSp>
+          <p:nvGrpSpPr>
+            <p:cNvPr id="92" name="Group 91"/>
+            <p:cNvGrpSpPr/>
+            <p:nvPr/>
+          </p:nvGrpSpPr>
+          <p:grpSpPr>
+            <a:xfrm>
+              <a:off x="7765255" y="1994257"/>
+              <a:ext cx="1352000" cy="2043712"/>
+              <a:chOff x="5332074" y="888945"/>
+              <a:chExt cx="1352000" cy="2043712"/>
+            </a:xfrm>
+          </p:grpSpPr>
+          <p:grpSp>
+            <p:nvGrpSpPr>
+              <p:cNvPr id="83" name="Group 82"/>
+              <p:cNvGrpSpPr/>
+              <p:nvPr/>
+            </p:nvGrpSpPr>
+            <p:grpSpPr>
+              <a:xfrm>
+                <a:off x="5436913" y="888945"/>
+                <a:ext cx="1142319" cy="615554"/>
+                <a:chOff x="5464044" y="888945"/>
+                <a:chExt cx="1142319" cy="615554"/>
+              </a:xfrm>
+            </p:grpSpPr>
+            <p:sp>
+              <p:nvSpPr>
+                <p:cNvPr id="53" name="TextBox 52"/>
+                <p:cNvSpPr txBox="1"/>
+                <p:nvPr/>
+              </p:nvSpPr>
+              <p:spPr>
+                <a:xfrm>
+                  <a:off x="5464044" y="888945"/>
+                  <a:ext cx="1142319" cy="307777"/>
+                </a:xfrm>
+                <a:prstGeom prst="rect">
+                  <a:avLst/>
+                </a:prstGeom>
+                <a:noFill/>
+                <a:ln w="12700">
+                  <a:solidFill>
+                    <a:schemeClr val="tx1"/>
+                  </a:solidFill>
+                </a:ln>
+              </p:spPr>
+              <p:txBody>
+                <a:bodyPr wrap="square" rtlCol="0" anchor="ctr">
+                  <a:spAutoFit/>
+                </a:bodyPr>
+                <a:lstStyle/>
+                <a:p>
+                  <a:pPr algn="ctr"/>
+                  <a:r>
+                    <a:rPr lang="en-GB" sz="1400" dirty="0">
+                      <a:latin typeface="Segoe UI" panose="020B0502040204020203" pitchFamily="34" charset="0"/>
+                      <a:cs typeface="Segoe UI" panose="020B0502040204020203" pitchFamily="34" charset="0"/>
+                    </a:rPr>
+                    <a:t>researcher 2</a:t>
+                  </a:r>
+                </a:p>
+              </p:txBody>
+            </p:sp>
+            <p:sp>
+              <p:nvSpPr>
+                <p:cNvPr id="54" name="TextBox 53"/>
+                <p:cNvSpPr txBox="1"/>
+                <p:nvPr/>
+              </p:nvSpPr>
+              <p:spPr>
+                <a:xfrm>
+                  <a:off x="5464044" y="1196722"/>
+                  <a:ext cx="1142317" cy="307777"/>
+                </a:xfrm>
+                <a:prstGeom prst="rect">
+                  <a:avLst/>
+                </a:prstGeom>
+                <a:solidFill>
+                  <a:schemeClr val="accent6"/>
+                </a:solidFill>
+                <a:ln w="12700">
+                  <a:solidFill>
+                    <a:schemeClr val="tx1"/>
+                  </a:solidFill>
+                </a:ln>
+              </p:spPr>
+              <p:txBody>
+                <a:bodyPr wrap="square" rtlCol="0" anchor="ctr">
+                  <a:spAutoFit/>
+                </a:bodyPr>
+                <a:lstStyle/>
+                <a:p>
+                  <a:pPr algn="ctr"/>
+                  <a:r>
+                    <a:rPr lang="en-GB" sz="1400" dirty="0">
+                      <a:solidFill>
+                        <a:schemeClr val="bg1"/>
+                      </a:solidFill>
+                      <a:latin typeface="Segoe UI" panose="020B0502040204020203" pitchFamily="34" charset="0"/>
+                      <a:cs typeface="Segoe UI" panose="020B0502040204020203" pitchFamily="34" charset="0"/>
+                    </a:rPr>
+                    <a:t>node</a:t>
+                  </a:r>
+                </a:p>
+              </p:txBody>
+            </p:sp>
+          </p:grpSp>
+          <p:grpSp>
+            <p:nvGrpSpPr>
+              <p:cNvPr id="45" name="Group 44"/>
+              <p:cNvGrpSpPr/>
+              <p:nvPr/>
+            </p:nvGrpSpPr>
+            <p:grpSpPr>
+              <a:xfrm>
+                <a:off x="5332075" y="1603024"/>
+                <a:ext cx="1351999" cy="615554"/>
+                <a:chOff x="802866" y="1814829"/>
+                <a:chExt cx="1351999" cy="615554"/>
+              </a:xfrm>
+            </p:grpSpPr>
+            <p:sp>
+              <p:nvSpPr>
+                <p:cNvPr id="51" name="TextBox 50"/>
+                <p:cNvSpPr txBox="1"/>
+                <p:nvPr/>
+              </p:nvSpPr>
+              <p:spPr>
+                <a:xfrm>
+                  <a:off x="802866" y="1814829"/>
+                  <a:ext cx="1351999" cy="307777"/>
+                </a:xfrm>
+                <a:prstGeom prst="rect">
+                  <a:avLst/>
+                </a:prstGeom>
+                <a:noFill/>
+                <a:ln w="12700">
+                  <a:solidFill>
+                    <a:schemeClr val="tx1"/>
+                  </a:solidFill>
+                </a:ln>
+              </p:spPr>
+              <p:txBody>
+                <a:bodyPr wrap="square" rtlCol="0" anchor="ctr">
+                  <a:spAutoFit/>
+                </a:bodyPr>
+                <a:lstStyle/>
+                <a:p>
+                  <a:pPr algn="ctr"/>
+                  <a:r>
+                    <a:rPr lang="en-GB" sz="1400" dirty="0">
+                      <a:latin typeface="Segoe UI" panose="020B0502040204020203" pitchFamily="34" charset="0"/>
+                      <a:cs typeface="Segoe UI" panose="020B0502040204020203" pitchFamily="34" charset="0"/>
+                    </a:rPr>
+                    <a:t>number*</a:t>
+                  </a:r>
+                </a:p>
+              </p:txBody>
+            </p:sp>
+            <p:sp>
+              <p:nvSpPr>
+                <p:cNvPr id="52" name="TextBox 51"/>
+                <p:cNvSpPr txBox="1"/>
+                <p:nvPr/>
+              </p:nvSpPr>
+              <p:spPr>
+                <a:xfrm>
+                  <a:off x="802867" y="2122606"/>
+                  <a:ext cx="1351998" cy="307777"/>
+                </a:xfrm>
+                <a:prstGeom prst="rect">
+                  <a:avLst/>
+                </a:prstGeom>
+                <a:solidFill>
+                  <a:schemeClr val="accent2"/>
+                </a:solidFill>
+                <a:ln w="12700">
+                  <a:solidFill>
+                    <a:schemeClr val="tx1"/>
+                  </a:solidFill>
+                </a:ln>
+              </p:spPr>
+              <p:txBody>
+                <a:bodyPr wrap="square" rtlCol="0" anchor="ctr">
+                  <a:spAutoFit/>
+                </a:bodyPr>
+                <a:lstStyle/>
+                <a:p>
+                  <a:pPr algn="ctr"/>
+                  <a:r>
+                    <a:rPr lang="en-GB" sz="1400" dirty="0">
+                      <a:solidFill>
+                        <a:schemeClr val="bg1"/>
+                      </a:solidFill>
+                      <a:latin typeface="Segoe UI" panose="020B0502040204020203" pitchFamily="34" charset="0"/>
+                      <a:cs typeface="Segoe UI" panose="020B0502040204020203" pitchFamily="34" charset="0"/>
+                    </a:rPr>
+                    <a:t>node attribute</a:t>
+                  </a:r>
+                </a:p>
+              </p:txBody>
+            </p:sp>
+          </p:grpSp>
+          <p:grpSp>
+            <p:nvGrpSpPr>
+              <p:cNvPr id="46" name="Group 45"/>
+              <p:cNvGrpSpPr/>
+              <p:nvPr/>
+            </p:nvGrpSpPr>
+            <p:grpSpPr>
+              <a:xfrm>
+                <a:off x="5332074" y="2317103"/>
+                <a:ext cx="1351999" cy="615554"/>
+                <a:chOff x="802866" y="1814829"/>
+                <a:chExt cx="1351999" cy="615554"/>
+              </a:xfrm>
+            </p:grpSpPr>
+            <p:sp>
+              <p:nvSpPr>
+                <p:cNvPr id="49" name="TextBox 48"/>
+                <p:cNvSpPr txBox="1"/>
+                <p:nvPr/>
+              </p:nvSpPr>
+              <p:spPr>
+                <a:xfrm>
+                  <a:off x="802866" y="1814829"/>
+                  <a:ext cx="1351999" cy="307777"/>
+                </a:xfrm>
+                <a:prstGeom prst="rect">
+                  <a:avLst/>
+                </a:prstGeom>
+                <a:noFill/>
+                <a:ln w="12700">
+                  <a:solidFill>
+                    <a:schemeClr val="tx1"/>
+                  </a:solidFill>
+                </a:ln>
+              </p:spPr>
+              <p:txBody>
+                <a:bodyPr wrap="square" rtlCol="0" anchor="ctr">
+                  <a:spAutoFit/>
+                </a:bodyPr>
+                <a:lstStyle/>
+                <a:p>
+                  <a:pPr algn="ctr"/>
+                  <a:r>
+                    <a:rPr lang="en-GB" sz="1400" dirty="0">
+                      <a:latin typeface="Segoe UI" panose="020B0502040204020203" pitchFamily="34" charset="0"/>
+                      <a:cs typeface="Segoe UI" panose="020B0502040204020203" pitchFamily="34" charset="0"/>
+                    </a:rPr>
+                    <a:t>value*</a:t>
+                  </a:r>
+                </a:p>
+              </p:txBody>
+            </p:sp>
+            <p:sp>
+              <p:nvSpPr>
+                <p:cNvPr id="50" name="TextBox 49"/>
+                <p:cNvSpPr txBox="1"/>
+                <p:nvPr/>
+              </p:nvSpPr>
+              <p:spPr>
+                <a:xfrm>
+                  <a:off x="802867" y="2122606"/>
+                  <a:ext cx="1351998" cy="307777"/>
+                </a:xfrm>
+                <a:prstGeom prst="rect">
+                  <a:avLst/>
+                </a:prstGeom>
+                <a:solidFill>
+                  <a:schemeClr val="accent2"/>
+                </a:solidFill>
+                <a:ln w="12700">
+                  <a:solidFill>
+                    <a:schemeClr val="tx1"/>
+                  </a:solidFill>
+                </a:ln>
+              </p:spPr>
+              <p:txBody>
+                <a:bodyPr wrap="square" rtlCol="0" anchor="ctr">
+                  <a:spAutoFit/>
+                </a:bodyPr>
+                <a:lstStyle/>
+                <a:p>
+                  <a:pPr algn="ctr"/>
+                  <a:r>
+                    <a:rPr lang="en-GB" sz="1400" dirty="0">
+                      <a:solidFill>
+                        <a:schemeClr val="bg1"/>
+                      </a:solidFill>
+                      <a:latin typeface="Segoe UI" panose="020B0502040204020203" pitchFamily="34" charset="0"/>
+                      <a:cs typeface="Segoe UI" panose="020B0502040204020203" pitchFamily="34" charset="0"/>
+                    </a:rPr>
+                    <a:t>node attribute</a:t>
+                  </a:r>
+                </a:p>
+              </p:txBody>
+            </p:sp>
+          </p:grpSp>
+          <p:cxnSp>
+            <p:nvCxnSpPr>
+              <p:cNvPr id="47" name="Straight Connector 46"/>
+              <p:cNvCxnSpPr>
+                <a:stCxn id="49" idx="3"/>
+                <a:endCxn id="53" idx="3"/>
+              </p:cNvCxnSpPr>
+              <p:nvPr/>
+            </p:nvCxnSpPr>
+            <p:spPr>
+              <a:xfrm flipH="1" flipV="1">
+                <a:off x="6579232" y="1042834"/>
+                <a:ext cx="104841" cy="1428158"/>
+              </a:xfrm>
+              <a:prstGeom prst="bentConnector3">
+                <a:avLst>
+                  <a:gd name="adj1" fmla="val -116629"/>
+                </a:avLst>
+              </a:prstGeom>
+              <a:ln w="12700">
+                <a:solidFill>
+                  <a:schemeClr val="tx1"/>
+                </a:solidFill>
+              </a:ln>
+            </p:spPr>
+            <p:style>
+              <a:lnRef idx="1">
+                <a:schemeClr val="accent1"/>
+              </a:lnRef>
+              <a:fillRef idx="0">
+                <a:schemeClr val="accent1"/>
+              </a:fillRef>
+              <a:effectRef idx="0">
+                <a:schemeClr val="accent1"/>
+              </a:effectRef>
+              <a:fontRef idx="minor">
+                <a:schemeClr val="tx1"/>
+              </a:fontRef>
+            </p:style>
+          </p:cxnSp>
+          <p:cxnSp>
+            <p:nvCxnSpPr>
+              <p:cNvPr id="48" name="Straight Connector 49"/>
+              <p:cNvCxnSpPr>
+                <a:stCxn id="51" idx="3"/>
+                <a:endCxn id="53" idx="3"/>
+              </p:cNvCxnSpPr>
+              <p:nvPr/>
+            </p:nvCxnSpPr>
+            <p:spPr>
+              <a:xfrm flipH="1" flipV="1">
+                <a:off x="6579232" y="1042834"/>
+                <a:ext cx="104842" cy="714079"/>
+              </a:xfrm>
+              <a:prstGeom prst="bentConnector3">
+                <a:avLst>
+                  <a:gd name="adj1" fmla="val -116627"/>
+                </a:avLst>
+              </a:prstGeom>
+              <a:ln w="12700">
+                <a:solidFill>
+                  <a:schemeClr val="tx1"/>
+                </a:solidFill>
+              </a:ln>
+            </p:spPr>
+            <p:style>
+              <a:lnRef idx="1">
+                <a:schemeClr val="accent1"/>
+              </a:lnRef>
+              <a:fillRef idx="0">
+                <a:schemeClr val="accent1"/>
+              </a:fillRef>
+              <a:effectRef idx="0">
+                <a:schemeClr val="accent1"/>
+              </a:effectRef>
+              <a:fontRef idx="minor">
+                <a:schemeClr val="tx1"/>
+              </a:fontRef>
+            </p:style>
+          </p:cxnSp>
+        </p:grpSp>
+        <p:grpSp>
+          <p:nvGrpSpPr>
+            <p:cNvPr id="19" name="Group 18"/>
+            <p:cNvGrpSpPr/>
+            <p:nvPr/>
+          </p:nvGrpSpPr>
+          <p:grpSpPr>
+            <a:xfrm>
+              <a:off x="4676522" y="2281108"/>
+              <a:ext cx="2839619" cy="1364069"/>
+              <a:chOff x="2272009" y="1387601"/>
+              <a:chExt cx="2839619" cy="1364069"/>
+            </a:xfrm>
+          </p:grpSpPr>
+          <p:grpSp>
+            <p:nvGrpSpPr>
+              <p:cNvPr id="32" name="Group 31"/>
+              <p:cNvGrpSpPr/>
+              <p:nvPr/>
+            </p:nvGrpSpPr>
+            <p:grpSpPr>
+              <a:xfrm>
+                <a:off x="3147789" y="1387601"/>
+                <a:ext cx="1088063" cy="615554"/>
+                <a:chOff x="766859" y="1375932"/>
+                <a:chExt cx="1088063" cy="615554"/>
+              </a:xfrm>
+            </p:grpSpPr>
+            <p:sp>
+              <p:nvSpPr>
+                <p:cNvPr id="42" name="TextBox 41"/>
+                <p:cNvSpPr txBox="1"/>
+                <p:nvPr/>
+              </p:nvSpPr>
+              <p:spPr>
+                <a:xfrm>
+                  <a:off x="766859" y="1375932"/>
+                  <a:ext cx="1088063" cy="307777"/>
+                </a:xfrm>
+                <a:prstGeom prst="rect">
+                  <a:avLst/>
+                </a:prstGeom>
+                <a:noFill/>
+                <a:ln w="12700">
+                  <a:solidFill>
+                    <a:schemeClr val="tx1"/>
+                  </a:solidFill>
+                </a:ln>
+              </p:spPr>
+              <p:txBody>
+                <a:bodyPr wrap="square" rtlCol="0" anchor="ctr">
+                  <a:spAutoFit/>
+                </a:bodyPr>
+                <a:lstStyle/>
+                <a:p>
+                  <a:pPr algn="ctr"/>
+                  <a:r>
+                    <a:rPr lang="en-GB" sz="1400" dirty="0">
+                      <a:latin typeface="Segoe UI" panose="020B0502040204020203" pitchFamily="34" charset="0"/>
+                      <a:cs typeface="Segoe UI" panose="020B0502040204020203" pitchFamily="34" charset="0"/>
+                    </a:rPr>
+                    <a:t>grant</a:t>
+                  </a:r>
+                </a:p>
+              </p:txBody>
+            </p:sp>
+            <p:sp>
+              <p:nvSpPr>
+                <p:cNvPr id="43" name="TextBox 42"/>
+                <p:cNvSpPr txBox="1"/>
+                <p:nvPr/>
+              </p:nvSpPr>
+              <p:spPr>
+                <a:xfrm>
+                  <a:off x="766860" y="1683709"/>
+                  <a:ext cx="1088062" cy="307777"/>
+                </a:xfrm>
+                <a:prstGeom prst="rect">
+                  <a:avLst/>
+                </a:prstGeom>
+                <a:solidFill>
+                  <a:schemeClr val="accent6"/>
+                </a:solidFill>
+                <a:ln w="12700">
+                  <a:solidFill>
+                    <a:schemeClr val="tx1"/>
+                  </a:solidFill>
+                </a:ln>
+              </p:spPr>
+              <p:txBody>
+                <a:bodyPr wrap="square" rtlCol="0" anchor="ctr">
+                  <a:spAutoFit/>
+                </a:bodyPr>
+                <a:lstStyle/>
+                <a:p>
+                  <a:pPr algn="ctr"/>
+                  <a:r>
+                    <a:rPr lang="en-GB" sz="1400" dirty="0">
+                      <a:solidFill>
+                        <a:schemeClr val="bg1"/>
+                      </a:solidFill>
+                      <a:latin typeface="Segoe UI" panose="020B0502040204020203" pitchFamily="34" charset="0"/>
+                      <a:cs typeface="Segoe UI" panose="020B0502040204020203" pitchFamily="34" charset="0"/>
+                    </a:rPr>
+                    <a:t>edge</a:t>
+                  </a:r>
+                </a:p>
+              </p:txBody>
+            </p:sp>
+          </p:grpSp>
+          <p:grpSp>
+            <p:nvGrpSpPr>
+              <p:cNvPr id="33" name="Group 32"/>
+              <p:cNvGrpSpPr/>
+              <p:nvPr/>
+            </p:nvGrpSpPr>
+            <p:grpSpPr>
+              <a:xfrm>
+                <a:off x="2272009" y="2136116"/>
+                <a:ext cx="2839619" cy="615554"/>
+                <a:chOff x="2158518" y="2145509"/>
+                <a:chExt cx="2839619" cy="615554"/>
+              </a:xfrm>
+            </p:grpSpPr>
+            <p:grpSp>
+              <p:nvGrpSpPr>
+                <p:cNvPr id="36" name="Group 35"/>
+                <p:cNvGrpSpPr/>
+                <p:nvPr/>
+              </p:nvGrpSpPr>
+              <p:grpSpPr>
+                <a:xfrm>
+                  <a:off x="2158518" y="2145509"/>
+                  <a:ext cx="1351999" cy="615554"/>
+                  <a:chOff x="802866" y="1814829"/>
+                  <a:chExt cx="1351999" cy="615554"/>
+                </a:xfrm>
+              </p:grpSpPr>
+              <p:sp>
+                <p:nvSpPr>
+                  <p:cNvPr id="40" name="TextBox 39"/>
+                  <p:cNvSpPr txBox="1"/>
+                  <p:nvPr/>
+                </p:nvSpPr>
+                <p:spPr>
+                  <a:xfrm>
+                    <a:off x="802866" y="1814829"/>
+                    <a:ext cx="1351999" cy="307777"/>
+                  </a:xfrm>
+                  <a:prstGeom prst="rect">
+                    <a:avLst/>
+                  </a:prstGeom>
+                  <a:noFill/>
+                  <a:ln w="12700">
+                    <a:solidFill>
+                      <a:schemeClr val="tx1"/>
+                    </a:solidFill>
+                  </a:ln>
+                </p:spPr>
+                <p:txBody>
+                  <a:bodyPr wrap="square" rtlCol="0" anchor="ctr">
+                    <a:spAutoFit/>
+                  </a:bodyPr>
+                  <a:lstStyle/>
+                  <a:p>
+                    <a:pPr algn="ctr"/>
+                    <a:r>
+                      <a:rPr lang="en-GB" sz="1400" dirty="0">
+                        <a:latin typeface="Segoe UI" panose="020B0502040204020203" pitchFamily="34" charset="0"/>
+                        <a:cs typeface="Segoe UI" panose="020B0502040204020203" pitchFamily="34" charset="0"/>
+                      </a:rPr>
+                      <a:t>weight*</a:t>
+                    </a:r>
+                  </a:p>
+                </p:txBody>
+              </p:sp>
+              <p:sp>
+                <p:nvSpPr>
+                  <p:cNvPr id="41" name="TextBox 40"/>
+                  <p:cNvSpPr txBox="1"/>
+                  <p:nvPr/>
+                </p:nvSpPr>
+                <p:spPr>
+                  <a:xfrm>
+                    <a:off x="802867" y="2122606"/>
+                    <a:ext cx="1351998" cy="307777"/>
+                  </a:xfrm>
+                  <a:prstGeom prst="rect">
+                    <a:avLst/>
+                  </a:prstGeom>
+                  <a:solidFill>
+                    <a:srgbClr val="FF5050"/>
+                  </a:solidFill>
+                  <a:ln w="12700">
+                    <a:solidFill>
+                      <a:schemeClr val="tx1"/>
+                    </a:solidFill>
+                  </a:ln>
+                </p:spPr>
+                <p:txBody>
+                  <a:bodyPr wrap="square" rtlCol="0" anchor="ctr">
+                    <a:spAutoFit/>
+                  </a:bodyPr>
+                  <a:lstStyle/>
+                  <a:p>
+                    <a:pPr algn="ctr"/>
+                    <a:r>
+                      <a:rPr lang="en-GB" sz="1400" dirty="0">
+                        <a:solidFill>
+                          <a:schemeClr val="bg1"/>
+                        </a:solidFill>
+                        <a:latin typeface="Segoe UI" panose="020B0502040204020203" pitchFamily="34" charset="0"/>
+                        <a:cs typeface="Segoe UI" panose="020B0502040204020203" pitchFamily="34" charset="0"/>
+                      </a:rPr>
+                      <a:t>edge attribute</a:t>
+                    </a:r>
+                  </a:p>
+                </p:txBody>
+              </p:sp>
+            </p:grpSp>
+            <p:grpSp>
+              <p:nvGrpSpPr>
+                <p:cNvPr id="37" name="Group 36"/>
+                <p:cNvGrpSpPr/>
+                <p:nvPr/>
+              </p:nvGrpSpPr>
+              <p:grpSpPr>
+                <a:xfrm>
+                  <a:off x="3646138" y="2145509"/>
+                  <a:ext cx="1351999" cy="615554"/>
+                  <a:chOff x="802866" y="1814829"/>
+                  <a:chExt cx="1351999" cy="615554"/>
+                </a:xfrm>
+              </p:grpSpPr>
+              <p:sp>
+                <p:nvSpPr>
+                  <p:cNvPr id="38" name="TextBox 37"/>
+                  <p:cNvSpPr txBox="1"/>
+                  <p:nvPr/>
+                </p:nvSpPr>
+                <p:spPr>
+                  <a:xfrm>
+                    <a:off x="802866" y="1814829"/>
+                    <a:ext cx="1351999" cy="307777"/>
+                  </a:xfrm>
+                  <a:prstGeom prst="rect">
+                    <a:avLst/>
+                  </a:prstGeom>
+                  <a:noFill/>
+                  <a:ln w="12700">
+                    <a:solidFill>
+                      <a:schemeClr val="tx1"/>
+                    </a:solidFill>
+                  </a:ln>
+                </p:spPr>
+                <p:txBody>
+                  <a:bodyPr wrap="square" rtlCol="0" anchor="ctr">
+                    <a:spAutoFit/>
+                  </a:bodyPr>
+                  <a:lstStyle/>
+                  <a:p>
+                    <a:pPr algn="ctr"/>
+                    <a:r>
+                      <a:rPr lang="en-GB" sz="1400" dirty="0">
+                        <a:latin typeface="Segoe UI" panose="020B0502040204020203" pitchFamily="34" charset="0"/>
+                        <a:cs typeface="Segoe UI" panose="020B0502040204020203" pitchFamily="34" charset="0"/>
+                      </a:rPr>
+                      <a:t>value*</a:t>
+                    </a:r>
+                  </a:p>
+                </p:txBody>
+              </p:sp>
+              <p:sp>
+                <p:nvSpPr>
+                  <p:cNvPr id="39" name="TextBox 38"/>
+                  <p:cNvSpPr txBox="1"/>
+                  <p:nvPr/>
+                </p:nvSpPr>
+                <p:spPr>
+                  <a:xfrm>
+                    <a:off x="802867" y="2122606"/>
+                    <a:ext cx="1351998" cy="307777"/>
+                  </a:xfrm>
+                  <a:prstGeom prst="rect">
+                    <a:avLst/>
+                  </a:prstGeom>
+                  <a:solidFill>
+                    <a:srgbClr val="FF5050"/>
+                  </a:solidFill>
+                  <a:ln w="12700">
+                    <a:solidFill>
+                      <a:schemeClr val="tx1"/>
+                    </a:solidFill>
+                  </a:ln>
+                </p:spPr>
+                <p:txBody>
+                  <a:bodyPr wrap="square" rtlCol="0" anchor="ctr">
+                    <a:spAutoFit/>
+                  </a:bodyPr>
+                  <a:lstStyle/>
+                  <a:p>
+                    <a:pPr algn="ctr"/>
+                    <a:r>
+                      <a:rPr lang="en-GB" sz="1400" dirty="0">
+                        <a:solidFill>
+                          <a:schemeClr val="bg1"/>
+                        </a:solidFill>
+                        <a:latin typeface="Segoe UI" panose="020B0502040204020203" pitchFamily="34" charset="0"/>
+                        <a:cs typeface="Segoe UI" panose="020B0502040204020203" pitchFamily="34" charset="0"/>
+                      </a:rPr>
+                      <a:t>edge attribute</a:t>
+                    </a:r>
+                  </a:p>
+                </p:txBody>
+              </p:sp>
+            </p:grpSp>
+          </p:grpSp>
+          <p:cxnSp>
+            <p:nvCxnSpPr>
+              <p:cNvPr id="34" name="Straight Connector 67"/>
+              <p:cNvCxnSpPr>
+                <a:stCxn id="40" idx="1"/>
+                <a:endCxn id="42" idx="1"/>
+              </p:cNvCxnSpPr>
+              <p:nvPr/>
+            </p:nvCxnSpPr>
+            <p:spPr>
+              <a:xfrm rot="10800000" flipH="1">
+                <a:off x="2272009" y="1541491"/>
+                <a:ext cx="875780" cy="748515"/>
+              </a:xfrm>
+              <a:prstGeom prst="bentConnector3">
+                <a:avLst>
+                  <a:gd name="adj1" fmla="val -11533"/>
+                </a:avLst>
+              </a:prstGeom>
+              <a:ln w="12700">
+                <a:solidFill>
+                  <a:schemeClr val="tx1"/>
+                </a:solidFill>
+              </a:ln>
+            </p:spPr>
+            <p:style>
+              <a:lnRef idx="1">
+                <a:schemeClr val="accent1"/>
+              </a:lnRef>
+              <a:fillRef idx="0">
+                <a:schemeClr val="accent1"/>
+              </a:fillRef>
+              <a:effectRef idx="0">
+                <a:schemeClr val="accent1"/>
+              </a:effectRef>
+              <a:fontRef idx="minor">
+                <a:schemeClr val="tx1"/>
+              </a:fontRef>
+            </p:style>
+          </p:cxnSp>
+          <p:cxnSp>
+            <p:nvCxnSpPr>
+              <p:cNvPr id="35" name="Straight Connector 70"/>
+              <p:cNvCxnSpPr>
+                <a:stCxn id="38" idx="3"/>
+                <a:endCxn id="42" idx="3"/>
+              </p:cNvCxnSpPr>
+              <p:nvPr/>
+            </p:nvCxnSpPr>
+            <p:spPr>
+              <a:xfrm flipH="1" flipV="1">
+                <a:off x="4235852" y="1541490"/>
+                <a:ext cx="875776" cy="748515"/>
+              </a:xfrm>
+              <a:prstGeom prst="bentConnector3">
+                <a:avLst>
+                  <a:gd name="adj1" fmla="val -10725"/>
+                </a:avLst>
+              </a:prstGeom>
+              <a:ln w="12700">
+                <a:solidFill>
+                  <a:schemeClr val="tx1"/>
+                </a:solidFill>
+              </a:ln>
+            </p:spPr>
+            <p:style>
+              <a:lnRef idx="1">
+                <a:schemeClr val="accent1"/>
+              </a:lnRef>
+              <a:fillRef idx="0">
+                <a:schemeClr val="accent1"/>
+              </a:fillRef>
+              <a:effectRef idx="0">
+                <a:schemeClr val="accent1"/>
+              </a:effectRef>
+              <a:fontRef idx="minor">
+                <a:schemeClr val="tx1"/>
+              </a:fontRef>
+            </p:style>
+          </p:cxnSp>
+        </p:grpSp>
+        <p:grpSp>
+          <p:nvGrpSpPr>
+            <p:cNvPr id="91" name="Group 90"/>
+            <p:cNvGrpSpPr/>
+            <p:nvPr/>
+          </p:nvGrpSpPr>
+          <p:grpSpPr>
+            <a:xfrm>
+              <a:off x="3075410" y="1994257"/>
+              <a:ext cx="1352000" cy="2043712"/>
+              <a:chOff x="642229" y="888945"/>
+              <a:chExt cx="1352000" cy="2043712"/>
+            </a:xfrm>
+          </p:grpSpPr>
+          <p:grpSp>
+            <p:nvGrpSpPr>
+              <p:cNvPr id="73" name="Group 72"/>
+              <p:cNvGrpSpPr/>
+              <p:nvPr/>
+            </p:nvGrpSpPr>
+            <p:grpSpPr>
+              <a:xfrm>
+                <a:off x="748081" y="888945"/>
+                <a:ext cx="1141200" cy="615554"/>
+                <a:chOff x="774199" y="888945"/>
+                <a:chExt cx="1169725" cy="615554"/>
+              </a:xfrm>
+            </p:grpSpPr>
+            <p:sp>
+              <p:nvSpPr>
+                <p:cNvPr id="30" name="TextBox 29"/>
+                <p:cNvSpPr txBox="1"/>
+                <p:nvPr/>
+              </p:nvSpPr>
+              <p:spPr>
+                <a:xfrm>
+                  <a:off x="774199" y="888945"/>
+                  <a:ext cx="1169725" cy="307777"/>
+                </a:xfrm>
+                <a:prstGeom prst="rect">
+                  <a:avLst/>
+                </a:prstGeom>
+                <a:noFill/>
+                <a:ln w="12700">
+                  <a:solidFill>
+                    <a:schemeClr val="tx1"/>
+                  </a:solidFill>
+                </a:ln>
+              </p:spPr>
+              <p:txBody>
+                <a:bodyPr wrap="square" rtlCol="0" anchor="ctr">
+                  <a:spAutoFit/>
+                </a:bodyPr>
+                <a:lstStyle/>
+                <a:p>
+                  <a:pPr algn="ctr"/>
+                  <a:r>
+                    <a:rPr lang="en-GB" sz="1400" dirty="0">
+                      <a:latin typeface="Segoe UI" panose="020B0502040204020203" pitchFamily="34" charset="0"/>
+                      <a:cs typeface="Segoe UI" panose="020B0502040204020203" pitchFamily="34" charset="0"/>
+                    </a:rPr>
+                    <a:t>researcher 1</a:t>
+                  </a:r>
+                </a:p>
+              </p:txBody>
+            </p:sp>
+            <p:sp>
+              <p:nvSpPr>
+                <p:cNvPr id="31" name="TextBox 30"/>
+                <p:cNvSpPr txBox="1"/>
+                <p:nvPr/>
+              </p:nvSpPr>
+              <p:spPr>
+                <a:xfrm>
+                  <a:off x="774200" y="1196722"/>
+                  <a:ext cx="1169724" cy="307777"/>
+                </a:xfrm>
+                <a:prstGeom prst="rect">
+                  <a:avLst/>
+                </a:prstGeom>
+                <a:solidFill>
+                  <a:schemeClr val="accent6"/>
+                </a:solidFill>
+                <a:ln w="12700">
+                  <a:solidFill>
+                    <a:schemeClr val="tx1"/>
+                  </a:solidFill>
+                </a:ln>
+              </p:spPr>
+              <p:txBody>
+                <a:bodyPr wrap="square" rtlCol="0" anchor="ctr">
+                  <a:spAutoFit/>
+                </a:bodyPr>
+                <a:lstStyle/>
+                <a:p>
+                  <a:pPr algn="ctr"/>
+                  <a:r>
+                    <a:rPr lang="en-GB" sz="1400" dirty="0">
+                      <a:solidFill>
+                        <a:schemeClr val="bg1"/>
+                      </a:solidFill>
+                      <a:latin typeface="Segoe UI" panose="020B0502040204020203" pitchFamily="34" charset="0"/>
+                      <a:cs typeface="Segoe UI" panose="020B0502040204020203" pitchFamily="34" charset="0"/>
+                    </a:rPr>
+                    <a:t>node</a:t>
+                  </a:r>
+                </a:p>
+              </p:txBody>
+            </p:sp>
+          </p:grpSp>
+          <p:grpSp>
+            <p:nvGrpSpPr>
+              <p:cNvPr id="22" name="Group 21"/>
+              <p:cNvGrpSpPr/>
+              <p:nvPr/>
+            </p:nvGrpSpPr>
+            <p:grpSpPr>
+              <a:xfrm>
+                <a:off x="642230" y="1603024"/>
+                <a:ext cx="1351999" cy="615554"/>
+                <a:chOff x="802866" y="1814829"/>
+                <a:chExt cx="1351999" cy="615554"/>
+              </a:xfrm>
+            </p:grpSpPr>
+            <p:sp>
+              <p:nvSpPr>
+                <p:cNvPr id="28" name="TextBox 27"/>
+                <p:cNvSpPr txBox="1"/>
+                <p:nvPr/>
+              </p:nvSpPr>
+              <p:spPr>
+                <a:xfrm>
+                  <a:off x="802866" y="1814829"/>
+                  <a:ext cx="1351999" cy="307777"/>
+                </a:xfrm>
+                <a:prstGeom prst="rect">
+                  <a:avLst/>
+                </a:prstGeom>
+                <a:noFill/>
+                <a:ln w="12700">
+                  <a:solidFill>
+                    <a:schemeClr val="tx1"/>
+                  </a:solidFill>
+                </a:ln>
+              </p:spPr>
+              <p:txBody>
+                <a:bodyPr wrap="square" rtlCol="0" anchor="ctr">
+                  <a:spAutoFit/>
+                </a:bodyPr>
+                <a:lstStyle/>
+                <a:p>
+                  <a:pPr algn="ctr"/>
+                  <a:r>
+                    <a:rPr lang="en-GB" sz="1400" dirty="0">
+                      <a:latin typeface="Segoe UI" panose="020B0502040204020203" pitchFamily="34" charset="0"/>
+                      <a:cs typeface="Segoe UI" panose="020B0502040204020203" pitchFamily="34" charset="0"/>
+                    </a:rPr>
+                    <a:t>number*</a:t>
+                  </a:r>
+                </a:p>
+              </p:txBody>
+            </p:sp>
+            <p:sp>
+              <p:nvSpPr>
+                <p:cNvPr id="29" name="TextBox 28"/>
+                <p:cNvSpPr txBox="1"/>
+                <p:nvPr/>
+              </p:nvSpPr>
+              <p:spPr>
+                <a:xfrm>
+                  <a:off x="802867" y="2122606"/>
+                  <a:ext cx="1351998" cy="307777"/>
+                </a:xfrm>
+                <a:prstGeom prst="rect">
+                  <a:avLst/>
+                </a:prstGeom>
+                <a:solidFill>
+                  <a:schemeClr val="accent2"/>
+                </a:solidFill>
+                <a:ln w="12700">
+                  <a:solidFill>
+                    <a:schemeClr val="tx1"/>
+                  </a:solidFill>
+                </a:ln>
+              </p:spPr>
+              <p:txBody>
+                <a:bodyPr wrap="square" rtlCol="0" anchor="ctr">
+                  <a:spAutoFit/>
+                </a:bodyPr>
+                <a:lstStyle/>
+                <a:p>
+                  <a:pPr algn="ctr"/>
+                  <a:r>
+                    <a:rPr lang="en-GB" sz="1400" dirty="0">
+                      <a:solidFill>
+                        <a:schemeClr val="bg1"/>
+                      </a:solidFill>
+                      <a:latin typeface="Segoe UI" panose="020B0502040204020203" pitchFamily="34" charset="0"/>
+                      <a:cs typeface="Segoe UI" panose="020B0502040204020203" pitchFamily="34" charset="0"/>
+                    </a:rPr>
+                    <a:t>node attribute</a:t>
+                  </a:r>
+                </a:p>
+              </p:txBody>
+            </p:sp>
+          </p:grpSp>
+          <p:grpSp>
+            <p:nvGrpSpPr>
+              <p:cNvPr id="23" name="Group 22"/>
+              <p:cNvGrpSpPr/>
+              <p:nvPr/>
+            </p:nvGrpSpPr>
+            <p:grpSpPr>
+              <a:xfrm>
+                <a:off x="642230" y="2317103"/>
+                <a:ext cx="1351999" cy="615554"/>
+                <a:chOff x="802866" y="1814829"/>
+                <a:chExt cx="1351999" cy="615554"/>
+              </a:xfrm>
+            </p:grpSpPr>
+            <p:sp>
+              <p:nvSpPr>
+                <p:cNvPr id="26" name="TextBox 25"/>
+                <p:cNvSpPr txBox="1"/>
+                <p:nvPr/>
+              </p:nvSpPr>
+              <p:spPr>
+                <a:xfrm>
+                  <a:off x="802866" y="1814829"/>
+                  <a:ext cx="1351999" cy="307777"/>
+                </a:xfrm>
+                <a:prstGeom prst="rect">
+                  <a:avLst/>
+                </a:prstGeom>
+                <a:noFill/>
+                <a:ln w="12700">
+                  <a:solidFill>
+                    <a:schemeClr val="tx1"/>
+                  </a:solidFill>
+                </a:ln>
+              </p:spPr>
+              <p:txBody>
+                <a:bodyPr wrap="square" rtlCol="0" anchor="ctr">
+                  <a:spAutoFit/>
+                </a:bodyPr>
+                <a:lstStyle/>
+                <a:p>
+                  <a:pPr algn="ctr"/>
+                  <a:r>
+                    <a:rPr lang="en-GB" sz="1400" dirty="0">
+                      <a:latin typeface="Segoe UI" panose="020B0502040204020203" pitchFamily="34" charset="0"/>
+                      <a:cs typeface="Segoe UI" panose="020B0502040204020203" pitchFamily="34" charset="0"/>
+                    </a:rPr>
+                    <a:t>value*</a:t>
+                  </a:r>
+                </a:p>
+              </p:txBody>
+            </p:sp>
+            <p:sp>
+              <p:nvSpPr>
+                <p:cNvPr id="27" name="TextBox 26"/>
+                <p:cNvSpPr txBox="1"/>
+                <p:nvPr/>
+              </p:nvSpPr>
+              <p:spPr>
+                <a:xfrm>
+                  <a:off x="802867" y="2122606"/>
+                  <a:ext cx="1351998" cy="307777"/>
+                </a:xfrm>
+                <a:prstGeom prst="rect">
+                  <a:avLst/>
+                </a:prstGeom>
+                <a:solidFill>
+                  <a:schemeClr val="accent2"/>
+                </a:solidFill>
+                <a:ln w="12700">
+                  <a:solidFill>
+                    <a:schemeClr val="tx1"/>
+                  </a:solidFill>
+                </a:ln>
+              </p:spPr>
+              <p:txBody>
+                <a:bodyPr wrap="square" rtlCol="0" anchor="ctr">
+                  <a:spAutoFit/>
+                </a:bodyPr>
+                <a:lstStyle/>
+                <a:p>
+                  <a:pPr algn="ctr"/>
+                  <a:r>
+                    <a:rPr lang="en-GB" sz="1400" dirty="0">
+                      <a:solidFill>
+                        <a:schemeClr val="bg1"/>
+                      </a:solidFill>
+                      <a:latin typeface="Segoe UI" panose="020B0502040204020203" pitchFamily="34" charset="0"/>
+                      <a:cs typeface="Segoe UI" panose="020B0502040204020203" pitchFamily="34" charset="0"/>
+                    </a:rPr>
+                    <a:t>node attribute</a:t>
+                  </a:r>
+                </a:p>
+              </p:txBody>
+            </p:sp>
+          </p:grpSp>
+          <p:cxnSp>
+            <p:nvCxnSpPr>
+              <p:cNvPr id="24" name="Straight Connector 89"/>
+              <p:cNvCxnSpPr>
+                <a:stCxn id="26" idx="1"/>
+                <a:endCxn id="30" idx="1"/>
+              </p:cNvCxnSpPr>
+              <p:nvPr/>
+            </p:nvCxnSpPr>
+            <p:spPr>
+              <a:xfrm rot="10800000" flipH="1">
+                <a:off x="642229" y="1042834"/>
+                <a:ext cx="105851" cy="1428158"/>
+              </a:xfrm>
+              <a:prstGeom prst="bentConnector3">
+                <a:avLst>
+                  <a:gd name="adj1" fmla="val -108819"/>
+                </a:avLst>
+              </a:prstGeom>
+              <a:ln w="12700">
+                <a:solidFill>
+                  <a:schemeClr val="tx1"/>
+                </a:solidFill>
+              </a:ln>
+            </p:spPr>
+            <p:style>
+              <a:lnRef idx="1">
+                <a:schemeClr val="accent1"/>
+              </a:lnRef>
+              <a:fillRef idx="0">
+                <a:schemeClr val="accent1"/>
+              </a:fillRef>
+              <a:effectRef idx="0">
+                <a:schemeClr val="accent1"/>
+              </a:effectRef>
+              <a:fontRef idx="minor">
+                <a:schemeClr val="tx1"/>
+              </a:fontRef>
+            </p:style>
+          </p:cxnSp>
+          <p:cxnSp>
+            <p:nvCxnSpPr>
+              <p:cNvPr id="25" name="Straight Connector 92"/>
+              <p:cNvCxnSpPr>
+                <a:stCxn id="28" idx="1"/>
+                <a:endCxn id="30" idx="1"/>
+              </p:cNvCxnSpPr>
+              <p:nvPr/>
+            </p:nvCxnSpPr>
+            <p:spPr>
+              <a:xfrm rot="10800000" flipH="1">
+                <a:off x="642229" y="1042835"/>
+                <a:ext cx="105851" cy="714079"/>
+              </a:xfrm>
+              <a:prstGeom prst="bentConnector3">
+                <a:avLst>
+                  <a:gd name="adj1" fmla="val -108819"/>
+                </a:avLst>
+              </a:prstGeom>
+              <a:ln w="12700">
+                <a:solidFill>
+                  <a:schemeClr val="tx1"/>
+                </a:solidFill>
+              </a:ln>
+            </p:spPr>
+            <p:style>
+              <a:lnRef idx="1">
+                <a:schemeClr val="accent1"/>
+              </a:lnRef>
+              <a:fillRef idx="0">
+                <a:schemeClr val="accent1"/>
+              </a:fillRef>
+              <a:effectRef idx="0">
+                <a:schemeClr val="accent1"/>
+              </a:effectRef>
+              <a:fontRef idx="minor">
+                <a:schemeClr val="tx1"/>
+              </a:fontRef>
+            </p:style>
+          </p:cxnSp>
+        </p:grpSp>
+        <p:grpSp>
+          <p:nvGrpSpPr>
+            <p:cNvPr id="10" name="Group 9"/>
+            <p:cNvGrpSpPr/>
+            <p:nvPr/>
+          </p:nvGrpSpPr>
+          <p:grpSpPr>
+            <a:xfrm>
+              <a:off x="6096333" y="4170929"/>
+              <a:ext cx="3330000" cy="1192315"/>
+              <a:chOff x="7695770" y="1874833"/>
+              <a:chExt cx="3330000" cy="1192315"/>
+            </a:xfrm>
+          </p:grpSpPr>
+          <p:sp>
+            <p:nvSpPr>
+              <p:cNvPr id="11" name="Rectangle 10"/>
+              <p:cNvSpPr/>
+              <p:nvPr/>
+            </p:nvSpPr>
+            <p:spPr>
+              <a:xfrm>
+                <a:off x="7695770" y="1874834"/>
+                <a:ext cx="3330000" cy="1192314"/>
+              </a:xfrm>
+              <a:prstGeom prst="rect">
+                <a:avLst/>
+              </a:prstGeom>
+              <a:noFill/>
+              <a:ln w="12700">
+                <a:solidFill>
+                  <a:schemeClr val="tx1"/>
+                </a:solidFill>
+              </a:ln>
+            </p:spPr>
+            <p:style>
+              <a:lnRef idx="2">
+                <a:schemeClr val="accent1">
+                  <a:shade val="50000"/>
+                </a:schemeClr>
+              </a:lnRef>
+              <a:fillRef idx="1">
+                <a:schemeClr val="accent1"/>
+              </a:fillRef>
+              <a:effectRef idx="0">
+                <a:schemeClr val="accent1"/>
+              </a:effectRef>
+              <a:fontRef idx="minor">
+                <a:schemeClr val="lt1"/>
+              </a:fontRef>
+            </p:style>
+            <p:txBody>
+              <a:bodyPr rtlCol="0" anchor="ctr"/>
+              <a:lstStyle/>
+              <a:p>
+                <a:pPr algn="ctr"/>
+                <a:endParaRPr lang="en-GB"/>
+              </a:p>
+            </p:txBody>
+          </p:sp>
+          <p:sp>
+            <p:nvSpPr>
+              <p:cNvPr id="12" name="TextBox 11"/>
+              <p:cNvSpPr txBox="1"/>
+              <p:nvPr/>
+            </p:nvSpPr>
+            <p:spPr>
+              <a:xfrm>
+                <a:off x="7695770" y="1874833"/>
+                <a:ext cx="3330000" cy="307777"/>
+              </a:xfrm>
+              <a:prstGeom prst="rect">
+                <a:avLst/>
+              </a:prstGeom>
+              <a:noFill/>
+              <a:ln w="12700">
+                <a:solidFill>
+                  <a:schemeClr val="tx1"/>
+                </a:solidFill>
+              </a:ln>
+            </p:spPr>
+            <p:txBody>
+              <a:bodyPr wrap="square" rtlCol="0" anchor="ctr">
+                <a:spAutoFit/>
+              </a:bodyPr>
+              <a:lstStyle/>
+              <a:p>
+                <a:r>
+                  <a:rPr lang="en-GB" sz="1400" dirty="0">
+                    <a:latin typeface="Segoe UI" panose="020B0502040204020203" pitchFamily="34" charset="0"/>
+                    <a:cs typeface="Segoe UI" panose="020B0502040204020203" pitchFamily="34" charset="0"/>
+                  </a:rPr>
+                  <a:t>Edge Attributes</a:t>
+                </a:r>
+              </a:p>
+            </p:txBody>
+          </p:sp>
+          <p:sp>
+            <p:nvSpPr>
+              <p:cNvPr id="13" name="TextBox 12"/>
+              <p:cNvSpPr txBox="1"/>
+              <p:nvPr/>
+            </p:nvSpPr>
+            <p:spPr>
+              <a:xfrm>
+                <a:off x="7695770" y="2182610"/>
+                <a:ext cx="3330000" cy="830997"/>
+              </a:xfrm>
+              <a:prstGeom prst="rect">
+                <a:avLst/>
+              </a:prstGeom>
+              <a:noFill/>
+              <a:ln w="12700">
+                <a:noFill/>
+              </a:ln>
+            </p:spPr>
+            <p:txBody>
+              <a:bodyPr wrap="square" rtlCol="0" anchor="ctr">
+                <a:spAutoFit/>
+              </a:bodyPr>
+              <a:lstStyle/>
+              <a:p>
+                <a:r>
+                  <a:rPr lang="en-GB" sz="1200" dirty="0">
+                    <a:latin typeface="Segoe UI" panose="020B0502040204020203" pitchFamily="34" charset="0"/>
+                    <a:cs typeface="Segoe UI" panose="020B0502040204020203" pitchFamily="34" charset="0"/>
+                  </a:rPr>
+                  <a:t>*</a:t>
+                </a:r>
+                <a:r>
+                  <a:rPr lang="en-GB" sz="1200" b="1" dirty="0">
+                    <a:latin typeface="Segoe UI" panose="020B0502040204020203" pitchFamily="34" charset="0"/>
+                    <a:cs typeface="Segoe UI" panose="020B0502040204020203" pitchFamily="34" charset="0"/>
+                  </a:rPr>
+                  <a:t>weight</a:t>
+                </a:r>
+                <a:r>
+                  <a:rPr lang="en-GB" sz="1200" dirty="0">
+                    <a:latin typeface="Segoe UI" panose="020B0502040204020203" pitchFamily="34" charset="0"/>
+                    <a:cs typeface="Segoe UI" panose="020B0502040204020203" pitchFamily="34" charset="0"/>
+                  </a:rPr>
+                  <a:t>: represents the number of grants the researchers have in common</a:t>
+                </a:r>
+              </a:p>
+              <a:p>
+                <a:r>
+                  <a:rPr lang="en-GB" sz="1200" dirty="0">
+                    <a:latin typeface="Segoe UI" panose="020B0502040204020203" pitchFamily="34" charset="0"/>
+                    <a:cs typeface="Segoe UI" panose="020B0502040204020203" pitchFamily="34" charset="0"/>
+                  </a:rPr>
+                  <a:t>*</a:t>
+                </a:r>
+                <a:r>
+                  <a:rPr lang="en-GB" sz="1200" b="1" dirty="0">
+                    <a:latin typeface="Segoe UI" panose="020B0502040204020203" pitchFamily="34" charset="0"/>
+                    <a:cs typeface="Segoe UI" panose="020B0502040204020203" pitchFamily="34" charset="0"/>
+                  </a:rPr>
+                  <a:t>value</a:t>
+                </a:r>
+                <a:r>
+                  <a:rPr lang="en-GB" sz="1200" dirty="0">
+                    <a:latin typeface="Segoe UI" panose="020B0502040204020203" pitchFamily="34" charset="0"/>
+                    <a:cs typeface="Segoe UI" panose="020B0502040204020203" pitchFamily="34" charset="0"/>
+                  </a:rPr>
+                  <a:t>: represents the value of the grants that the researchers have in common</a:t>
+                </a:r>
+              </a:p>
+            </p:txBody>
+          </p:sp>
+        </p:grpSp>
+        <p:grpSp>
+          <p:nvGrpSpPr>
+            <p:cNvPr id="2" name="Group 1"/>
+            <p:cNvGrpSpPr/>
+            <p:nvPr/>
+          </p:nvGrpSpPr>
+          <p:grpSpPr>
+            <a:xfrm>
+              <a:off x="2764018" y="4168156"/>
+              <a:ext cx="3335480" cy="1196092"/>
+              <a:chOff x="2764018" y="4168156"/>
+              <a:chExt cx="3335480" cy="1196092"/>
+            </a:xfrm>
+          </p:grpSpPr>
+          <p:sp>
+            <p:nvSpPr>
+              <p:cNvPr id="59" name="TextBox 58"/>
+              <p:cNvSpPr txBox="1"/>
+              <p:nvPr/>
+            </p:nvSpPr>
+            <p:spPr>
+              <a:xfrm>
+                <a:off x="2764018" y="4478994"/>
+                <a:ext cx="3335480" cy="830997"/>
+              </a:xfrm>
+              <a:prstGeom prst="rect">
+                <a:avLst/>
+              </a:prstGeom>
+              <a:noFill/>
+              <a:ln w="12700">
+                <a:noFill/>
+              </a:ln>
+            </p:spPr>
+            <p:txBody>
+              <a:bodyPr wrap="square" rtlCol="0" anchor="ctr">
+                <a:spAutoFit/>
+              </a:bodyPr>
+              <a:lstStyle/>
+              <a:p>
+                <a:r>
+                  <a:rPr lang="en-GB" sz="1200" dirty="0">
+                    <a:latin typeface="Segoe UI" panose="020B0502040204020203" pitchFamily="34" charset="0"/>
+                    <a:cs typeface="Segoe UI" panose="020B0502040204020203" pitchFamily="34" charset="0"/>
+                  </a:rPr>
+                  <a:t>*</a:t>
+                </a:r>
+                <a:r>
+                  <a:rPr lang="en-GB" sz="1200" b="1" dirty="0">
+                    <a:latin typeface="Segoe UI" panose="020B0502040204020203" pitchFamily="34" charset="0"/>
+                    <a:cs typeface="Segoe UI" panose="020B0502040204020203" pitchFamily="34" charset="0"/>
+                  </a:rPr>
+                  <a:t>number</a:t>
+                </a:r>
+                <a:r>
+                  <a:rPr lang="en-GB" sz="1200" dirty="0">
+                    <a:latin typeface="Segoe UI" panose="020B0502040204020203" pitchFamily="34" charset="0"/>
+                    <a:cs typeface="Segoe UI" panose="020B0502040204020203" pitchFamily="34" charset="0"/>
+                  </a:rPr>
+                  <a:t>: represents the number of grants the researcher appears under</a:t>
+                </a:r>
+              </a:p>
+              <a:p>
+                <a:r>
+                  <a:rPr lang="en-GB" sz="1200" dirty="0">
+                    <a:latin typeface="Segoe UI" panose="020B0502040204020203" pitchFamily="34" charset="0"/>
+                    <a:cs typeface="Segoe UI" panose="020B0502040204020203" pitchFamily="34" charset="0"/>
+                  </a:rPr>
+                  <a:t>*</a:t>
+                </a:r>
+                <a:r>
+                  <a:rPr lang="en-GB" sz="1200" b="1" dirty="0">
+                    <a:latin typeface="Segoe UI" panose="020B0502040204020203" pitchFamily="34" charset="0"/>
+                    <a:cs typeface="Segoe UI" panose="020B0502040204020203" pitchFamily="34" charset="0"/>
+                  </a:rPr>
+                  <a:t>value</a:t>
+                </a:r>
+                <a:r>
+                  <a:rPr lang="en-GB" sz="1200" dirty="0">
+                    <a:latin typeface="Segoe UI" panose="020B0502040204020203" pitchFamily="34" charset="0"/>
+                    <a:cs typeface="Segoe UI" panose="020B0502040204020203" pitchFamily="34" charset="0"/>
+                  </a:rPr>
+                  <a:t>: represents the cumulative value of the grants the researcher appears under</a:t>
+                </a:r>
+              </a:p>
+            </p:txBody>
+          </p:sp>
+          <p:sp>
+            <p:nvSpPr>
+              <p:cNvPr id="60" name="TextBox 59"/>
+              <p:cNvSpPr txBox="1"/>
+              <p:nvPr/>
+            </p:nvSpPr>
+            <p:spPr>
+              <a:xfrm>
+                <a:off x="2766332" y="4170016"/>
+                <a:ext cx="3327687" cy="307777"/>
+              </a:xfrm>
+              <a:prstGeom prst="rect">
+                <a:avLst/>
+              </a:prstGeom>
+              <a:noFill/>
+              <a:ln w="12700">
+                <a:solidFill>
+                  <a:schemeClr val="tx1"/>
+                </a:solidFill>
+              </a:ln>
+            </p:spPr>
+            <p:txBody>
+              <a:bodyPr wrap="square" rtlCol="0" anchor="ctr">
+                <a:spAutoFit/>
+              </a:bodyPr>
+              <a:lstStyle/>
+              <a:p>
+                <a:r>
+                  <a:rPr lang="en-GB" sz="1400" dirty="0">
+                    <a:latin typeface="Segoe UI" panose="020B0502040204020203" pitchFamily="34" charset="0"/>
+                    <a:cs typeface="Segoe UI" panose="020B0502040204020203" pitchFamily="34" charset="0"/>
+                  </a:rPr>
+                  <a:t>Node Attributes</a:t>
+                </a:r>
+              </a:p>
+            </p:txBody>
+          </p:sp>
+          <p:sp>
+            <p:nvSpPr>
+              <p:cNvPr id="57" name="Rectangle 56"/>
+              <p:cNvSpPr/>
+              <p:nvPr/>
+            </p:nvSpPr>
+            <p:spPr>
+              <a:xfrm>
+                <a:off x="2766333" y="4168156"/>
+                <a:ext cx="3330000" cy="1196092"/>
+              </a:xfrm>
+              <a:prstGeom prst="rect">
+                <a:avLst/>
+              </a:prstGeom>
+              <a:noFill/>
+              <a:ln w="12700">
+                <a:solidFill>
+                  <a:schemeClr val="tx1"/>
+                </a:solidFill>
+              </a:ln>
+            </p:spPr>
+            <p:style>
+              <a:lnRef idx="2">
+                <a:schemeClr val="accent1">
+                  <a:shade val="50000"/>
+                </a:schemeClr>
+              </a:lnRef>
+              <a:fillRef idx="1">
+                <a:schemeClr val="accent1"/>
+              </a:fillRef>
+              <a:effectRef idx="0">
+                <a:schemeClr val="accent1"/>
+              </a:effectRef>
+              <a:fontRef idx="minor">
+                <a:schemeClr val="lt1"/>
+              </a:fontRef>
+            </p:style>
+            <p:txBody>
+              <a:bodyPr rtlCol="0" anchor="ctr"/>
+              <a:lstStyle/>
+              <a:p>
+                <a:pPr algn="ctr"/>
+                <a:endParaRPr lang="en-GB"/>
+              </a:p>
+            </p:txBody>
+          </p:sp>
+        </p:grpSp>
+      </p:grpSp>
+    </p:spTree>
+    <p:extLst>
+      <p:ext uri="{BB962C8B-B14F-4D97-AF65-F5344CB8AC3E}">
+        <p14:creationId xmlns:p14="http://schemas.microsoft.com/office/powerpoint/2010/main" val="2679610021"/>
+      </p:ext>
+    </p:extLst>
+  </p:cSld>
+  <p:clrMapOvr>
+    <a:masterClrMapping/>
+  </p:clrMapOvr>
+</p:sld>
+</file>
+
 <file path=ppt/theme/theme1.xml><?xml version="1.0" encoding="utf-8"?>
 <a:theme xmlns:a="http://schemas.openxmlformats.org/drawingml/2006/main" name="Office Theme">
   <a:themeElements>
